--- a/presentation/Méthode_SCRUM.pptx
+++ b/presentation/Méthode_SCRUM.pptx
@@ -115,7 +115,7 @@
 <file path=ppt/revisionInfo.xml><?xml version="1.0" encoding="utf-8"?>
 <p1510:revInfo xmlns:a="http://schemas.openxmlformats.org/drawingml/2006/main" xmlns:r="http://schemas.openxmlformats.org/officeDocument/2006/relationships" xmlns:p1510="http://schemas.microsoft.com/office/powerpoint/2015/10/main">
   <p1510:revLst>
-    <p1510:client id="{1F0E535F-445E-4FF1-B155-FEC33B825F39}" v="87" dt="2021-05-31T07:37:05.732"/>
+    <p1510:client id="{EC705F34-DDED-4767-94D8-096E4394A31C}" v="9" dt="2021-06-25T09:37:01.569"/>
   </p1510:revLst>
 </p1510:revInfo>
 </file>
@@ -135,6 +135,102 @@
           <pc:docMk/>
           <pc:sldMk cId="1783618227" sldId="256"/>
         </pc:sldMkLst>
+      </pc:sldChg>
+    </pc:docChg>
+  </pc:docChgLst>
+  <pc:docChgLst>
+    <pc:chgData name="Hugo DEMENEZ" userId="167f3b24-aa49-4d1b-b001-4f9180dfa13d" providerId="ADAL" clId="{EC705F34-DDED-4767-94D8-096E4394A31C}"/>
+    <pc:docChg chg="modSld">
+      <pc:chgData name="Hugo DEMENEZ" userId="167f3b24-aa49-4d1b-b001-4f9180dfa13d" providerId="ADAL" clId="{EC705F34-DDED-4767-94D8-096E4394A31C}" dt="2021-06-25T09:37:16.651" v="15" actId="1076"/>
+      <pc:docMkLst>
+        <pc:docMk/>
+      </pc:docMkLst>
+      <pc:sldChg chg="modSp mod">
+        <pc:chgData name="Hugo DEMENEZ" userId="167f3b24-aa49-4d1b-b001-4f9180dfa13d" providerId="ADAL" clId="{EC705F34-DDED-4767-94D8-096E4394A31C}" dt="2021-06-25T09:37:16.651" v="15" actId="1076"/>
+        <pc:sldMkLst>
+          <pc:docMk/>
+          <pc:sldMk cId="1783618227" sldId="256"/>
+        </pc:sldMkLst>
+        <pc:spChg chg="mod">
+          <ac:chgData name="Hugo DEMENEZ" userId="167f3b24-aa49-4d1b-b001-4f9180dfa13d" providerId="ADAL" clId="{EC705F34-DDED-4767-94D8-096E4394A31C}" dt="2021-06-25T09:36:52.505" v="10" actId="403"/>
+          <ac:spMkLst>
+            <pc:docMk/>
+            <pc:sldMk cId="1783618227" sldId="256"/>
+            <ac:spMk id="20" creationId="{4C2F6D90-6E06-4360-92C7-AF5A90BBE946}"/>
+          </ac:spMkLst>
+        </pc:spChg>
+        <pc:spChg chg="mod">
+          <ac:chgData name="Hugo DEMENEZ" userId="167f3b24-aa49-4d1b-b001-4f9180dfa13d" providerId="ADAL" clId="{EC705F34-DDED-4767-94D8-096E4394A31C}" dt="2021-06-25T09:36:52.505" v="10" actId="403"/>
+          <ac:spMkLst>
+            <pc:docMk/>
+            <pc:sldMk cId="1783618227" sldId="256"/>
+            <ac:spMk id="21" creationId="{9AF35DEB-96EA-45C6-BE09-28C2D2724450}"/>
+          </ac:spMkLst>
+        </pc:spChg>
+        <pc:spChg chg="mod">
+          <ac:chgData name="Hugo DEMENEZ" userId="167f3b24-aa49-4d1b-b001-4f9180dfa13d" providerId="ADAL" clId="{EC705F34-DDED-4767-94D8-096E4394A31C}" dt="2021-06-25T09:37:01.569" v="13" actId="403"/>
+          <ac:spMkLst>
+            <pc:docMk/>
+            <pc:sldMk cId="1783618227" sldId="256"/>
+            <ac:spMk id="26" creationId="{9D81606B-5B97-4CA0-A409-8C8716E2AF53}"/>
+          </ac:spMkLst>
+        </pc:spChg>
+        <pc:spChg chg="mod">
+          <ac:chgData name="Hugo DEMENEZ" userId="167f3b24-aa49-4d1b-b001-4f9180dfa13d" providerId="ADAL" clId="{EC705F34-DDED-4767-94D8-096E4394A31C}" dt="2021-06-25T09:34:43.769" v="0" actId="207"/>
+          <ac:spMkLst>
+            <pc:docMk/>
+            <pc:sldMk cId="1783618227" sldId="256"/>
+            <ac:spMk id="27" creationId="{2269ADE6-7242-4F3A-B555-50196F80F369}"/>
+          </ac:spMkLst>
+        </pc:spChg>
+        <pc:spChg chg="mod">
+          <ac:chgData name="Hugo DEMENEZ" userId="167f3b24-aa49-4d1b-b001-4f9180dfa13d" providerId="ADAL" clId="{EC705F34-DDED-4767-94D8-096E4394A31C}" dt="2021-06-25T09:34:45.899" v="1" actId="207"/>
+          <ac:spMkLst>
+            <pc:docMk/>
+            <pc:sldMk cId="1783618227" sldId="256"/>
+            <ac:spMk id="28" creationId="{8DE3843C-F94D-4113-96BC-9EC94CF9E322}"/>
+          </ac:spMkLst>
+        </pc:spChg>
+        <pc:spChg chg="mod">
+          <ac:chgData name="Hugo DEMENEZ" userId="167f3b24-aa49-4d1b-b001-4f9180dfa13d" providerId="ADAL" clId="{EC705F34-DDED-4767-94D8-096E4394A31C}" dt="2021-06-25T09:36:52.505" v="10" actId="403"/>
+          <ac:spMkLst>
+            <pc:docMk/>
+            <pc:sldMk cId="1783618227" sldId="256"/>
+            <ac:spMk id="29" creationId="{88C75F6D-D849-4796-8C82-C62D724CA24C}"/>
+          </ac:spMkLst>
+        </pc:spChg>
+        <pc:spChg chg="mod">
+          <ac:chgData name="Hugo DEMENEZ" userId="167f3b24-aa49-4d1b-b001-4f9180dfa13d" providerId="ADAL" clId="{EC705F34-DDED-4767-94D8-096E4394A31C}" dt="2021-06-25T09:36:52.505" v="10" actId="403"/>
+          <ac:spMkLst>
+            <pc:docMk/>
+            <pc:sldMk cId="1783618227" sldId="256"/>
+            <ac:spMk id="30" creationId="{140A1140-01FA-45C6-BCE5-F0E169EEE87C}"/>
+          </ac:spMkLst>
+        </pc:spChg>
+        <pc:spChg chg="mod">
+          <ac:chgData name="Hugo DEMENEZ" userId="167f3b24-aa49-4d1b-b001-4f9180dfa13d" providerId="ADAL" clId="{EC705F34-DDED-4767-94D8-096E4394A31C}" dt="2021-06-25T09:37:16.651" v="15" actId="1076"/>
+          <ac:spMkLst>
+            <pc:docMk/>
+            <pc:sldMk cId="1783618227" sldId="256"/>
+            <ac:spMk id="32" creationId="{542906CD-C9E6-47DD-80FB-29623094C074}"/>
+          </ac:spMkLst>
+        </pc:spChg>
+        <pc:spChg chg="mod">
+          <ac:chgData name="Hugo DEMENEZ" userId="167f3b24-aa49-4d1b-b001-4f9180dfa13d" providerId="ADAL" clId="{EC705F34-DDED-4767-94D8-096E4394A31C}" dt="2021-06-25T09:36:52.505" v="10" actId="403"/>
+          <ac:spMkLst>
+            <pc:docMk/>
+            <pc:sldMk cId="1783618227" sldId="256"/>
+            <ac:spMk id="36" creationId="{4D0A44EB-5EF9-47D2-A878-FA63230E832C}"/>
+          </ac:spMkLst>
+        </pc:spChg>
+        <pc:spChg chg="mod">
+          <ac:chgData name="Hugo DEMENEZ" userId="167f3b24-aa49-4d1b-b001-4f9180dfa13d" providerId="ADAL" clId="{EC705F34-DDED-4767-94D8-096E4394A31C}" dt="2021-06-25T09:36:52.505" v="10" actId="403"/>
+          <ac:spMkLst>
+            <pc:docMk/>
+            <pc:sldMk cId="1783618227" sldId="256"/>
+            <ac:spMk id="37" creationId="{F3B1902C-9D3E-49DB-B1B5-C96C4FF79B71}"/>
+          </ac:spMkLst>
+        </pc:spChg>
       </pc:sldChg>
     </pc:docChg>
   </pc:docChgLst>
@@ -288,7 +384,7 @@
           <a:p>
             <a:fld id="{DE65193B-1ACD-41B2-91EA-EE53B77F62BF}" type="datetimeFigureOut">
               <a:rPr lang="fr-FR" smtClean="0"/>
-              <a:t>31/05/2021</a:t>
+              <a:t>25/06/2021</a:t>
             </a:fld>
             <a:endParaRPr lang="fr-FR"/>
           </a:p>
@@ -486,7 +582,7 @@
           <a:p>
             <a:fld id="{DE65193B-1ACD-41B2-91EA-EE53B77F62BF}" type="datetimeFigureOut">
               <a:rPr lang="fr-FR" smtClean="0"/>
-              <a:t>31/05/2021</a:t>
+              <a:t>25/06/2021</a:t>
             </a:fld>
             <a:endParaRPr lang="fr-FR"/>
           </a:p>
@@ -694,7 +790,7 @@
           <a:p>
             <a:fld id="{DE65193B-1ACD-41B2-91EA-EE53B77F62BF}" type="datetimeFigureOut">
               <a:rPr lang="fr-FR" smtClean="0"/>
-              <a:t>31/05/2021</a:t>
+              <a:t>25/06/2021</a:t>
             </a:fld>
             <a:endParaRPr lang="fr-FR"/>
           </a:p>
@@ -892,7 +988,7 @@
           <a:p>
             <a:fld id="{DE65193B-1ACD-41B2-91EA-EE53B77F62BF}" type="datetimeFigureOut">
               <a:rPr lang="fr-FR" smtClean="0"/>
-              <a:t>31/05/2021</a:t>
+              <a:t>25/06/2021</a:t>
             </a:fld>
             <a:endParaRPr lang="fr-FR"/>
           </a:p>
@@ -1167,7 +1263,7 @@
           <a:p>
             <a:fld id="{DE65193B-1ACD-41B2-91EA-EE53B77F62BF}" type="datetimeFigureOut">
               <a:rPr lang="fr-FR" smtClean="0"/>
-              <a:t>31/05/2021</a:t>
+              <a:t>25/06/2021</a:t>
             </a:fld>
             <a:endParaRPr lang="fr-FR"/>
           </a:p>
@@ -1432,7 +1528,7 @@
           <a:p>
             <a:fld id="{DE65193B-1ACD-41B2-91EA-EE53B77F62BF}" type="datetimeFigureOut">
               <a:rPr lang="fr-FR" smtClean="0"/>
-              <a:t>31/05/2021</a:t>
+              <a:t>25/06/2021</a:t>
             </a:fld>
             <a:endParaRPr lang="fr-FR"/>
           </a:p>
@@ -1844,7 +1940,7 @@
           <a:p>
             <a:fld id="{DE65193B-1ACD-41B2-91EA-EE53B77F62BF}" type="datetimeFigureOut">
               <a:rPr lang="fr-FR" smtClean="0"/>
-              <a:t>31/05/2021</a:t>
+              <a:t>25/06/2021</a:t>
             </a:fld>
             <a:endParaRPr lang="fr-FR"/>
           </a:p>
@@ -1985,7 +2081,7 @@
           <a:p>
             <a:fld id="{DE65193B-1ACD-41B2-91EA-EE53B77F62BF}" type="datetimeFigureOut">
               <a:rPr lang="fr-FR" smtClean="0"/>
-              <a:t>31/05/2021</a:t>
+              <a:t>25/06/2021</a:t>
             </a:fld>
             <a:endParaRPr lang="fr-FR"/>
           </a:p>
@@ -2098,7 +2194,7 @@
           <a:p>
             <a:fld id="{DE65193B-1ACD-41B2-91EA-EE53B77F62BF}" type="datetimeFigureOut">
               <a:rPr lang="fr-FR" smtClean="0"/>
-              <a:t>31/05/2021</a:t>
+              <a:t>25/06/2021</a:t>
             </a:fld>
             <a:endParaRPr lang="fr-FR"/>
           </a:p>
@@ -2409,7 +2505,7 @@
           <a:p>
             <a:fld id="{DE65193B-1ACD-41B2-91EA-EE53B77F62BF}" type="datetimeFigureOut">
               <a:rPr lang="fr-FR" smtClean="0"/>
-              <a:t>31/05/2021</a:t>
+              <a:t>25/06/2021</a:t>
             </a:fld>
             <a:endParaRPr lang="fr-FR"/>
           </a:p>
@@ -2697,7 +2793,7 @@
           <a:p>
             <a:fld id="{DE65193B-1ACD-41B2-91EA-EE53B77F62BF}" type="datetimeFigureOut">
               <a:rPr lang="fr-FR" smtClean="0"/>
-              <a:t>31/05/2021</a:t>
+              <a:t>25/06/2021</a:t>
             </a:fld>
             <a:endParaRPr lang="fr-FR"/>
           </a:p>
@@ -2938,7 +3034,7 @@
           <a:p>
             <a:fld id="{DE65193B-1ACD-41B2-91EA-EE53B77F62BF}" type="datetimeFigureOut">
               <a:rPr lang="fr-FR" smtClean="0"/>
-              <a:t>31/05/2021</a:t>
+              <a:t>25/06/2021</a:t>
             </a:fld>
             <a:endParaRPr lang="fr-FR"/>
           </a:p>
@@ -3610,7 +3706,7 @@
             </a:avLst>
           </a:prstGeom>
           <a:solidFill>
-            <a:srgbClr val="B087D9"/>
+            <a:srgbClr val="94DCCB"/>
           </a:solidFill>
           <a:ln>
             <a:noFill/>
@@ -3638,7 +3734,13 @@
           <a:p>
             <a:pPr algn="ctr"/>
             <a:r>
-              <a:rPr lang="fr-FR" sz="1200" dirty="0"/>
+              <a:rPr lang="fr-FR" sz="1600" dirty="0">
+                <a:solidFill>
+                  <a:sysClr val="windowText" lastClr="000000"/>
+                </a:solidFill>
+                <a:latin typeface="Poppins" panose="00000500000000000000" pitchFamily="2" charset="0"/>
+                <a:cs typeface="Poppins" panose="00000500000000000000" pitchFamily="2" charset="0"/>
+              </a:rPr>
               <a:t>Idée du projet</a:t>
             </a:r>
           </a:p>
@@ -3668,7 +3770,7 @@
             </a:avLst>
           </a:prstGeom>
           <a:solidFill>
-            <a:srgbClr val="B087D9"/>
+            <a:srgbClr val="94DCCB"/>
           </a:solidFill>
           <a:ln>
             <a:noFill/>
@@ -3696,7 +3798,13 @@
           <a:p>
             <a:pPr algn="ctr"/>
             <a:r>
-              <a:rPr lang="fr-FR" sz="1200" dirty="0"/>
+              <a:rPr lang="fr-FR" sz="1600" dirty="0">
+                <a:solidFill>
+                  <a:sysClr val="windowText" lastClr="000000"/>
+                </a:solidFill>
+                <a:latin typeface="Poppins" panose="00000500000000000000" pitchFamily="2" charset="0"/>
+                <a:cs typeface="Poppins" panose="00000500000000000000" pitchFamily="2" charset="0"/>
+              </a:rPr>
               <a:t>Planification</a:t>
             </a:r>
           </a:p>
@@ -3756,7 +3864,7 @@
         <p:spPr>
           <a:xfrm>
             <a:off x="2927873" y="4270805"/>
-            <a:ext cx="1463040" cy="276999"/>
+            <a:ext cx="1463040" cy="584775"/>
           </a:xfrm>
           <a:prstGeom prst="rect">
             <a:avLst/>
@@ -3771,7 +3879,10 @@
           <a:p>
             <a:pPr algn="ctr"/>
             <a:r>
-              <a:rPr lang="fr-FR" sz="1200" dirty="0"/>
+              <a:rPr lang="fr-FR" sz="1600" dirty="0">
+                <a:latin typeface="Poppins" panose="00000500000000000000" pitchFamily="2" charset="0"/>
+                <a:cs typeface="Poppins" panose="00000500000000000000" pitchFamily="2" charset="0"/>
+              </a:rPr>
               <a:t>Validation du projet</a:t>
             </a:r>
           </a:p>
@@ -3804,7 +3915,7 @@
             </a:avLst>
           </a:prstGeom>
           <a:solidFill>
-            <a:srgbClr val="3AB395"/>
+            <a:srgbClr val="007274"/>
           </a:solidFill>
           <a:ln>
             <a:noFill/>
@@ -4185,7 +4296,7 @@
             </a:pathLst>
           </a:custGeom>
           <a:solidFill>
-            <a:srgbClr val="3AB395"/>
+            <a:srgbClr val="007274"/>
           </a:solidFill>
           <a:ln>
             <a:noFill/>
@@ -4235,7 +4346,7 @@
         <p:spPr>
           <a:xfrm>
             <a:off x="7467526" y="2148932"/>
-            <a:ext cx="1310618" cy="461665"/>
+            <a:ext cx="1310618" cy="584775"/>
           </a:xfrm>
           <a:prstGeom prst="rect">
             <a:avLst/>
@@ -4250,14 +4361,20 @@
           <a:p>
             <a:pPr algn="ctr"/>
             <a:r>
-              <a:rPr lang="fr-FR" sz="1200" dirty="0"/>
+              <a:rPr lang="fr-FR" sz="1600" dirty="0">
+                <a:latin typeface="Poppins" panose="00000500000000000000" pitchFamily="2" charset="0"/>
+                <a:cs typeface="Poppins" panose="00000500000000000000" pitchFamily="2" charset="0"/>
+              </a:rPr>
               <a:t>Sprint </a:t>
             </a:r>
           </a:p>
           <a:p>
             <a:pPr algn="ctr"/>
             <a:r>
-              <a:rPr lang="fr-FR" sz="1200" dirty="0"/>
+              <a:rPr lang="fr-FR" sz="1600" dirty="0">
+                <a:latin typeface="Poppins" panose="00000500000000000000" pitchFamily="2" charset="0"/>
+                <a:cs typeface="Poppins" panose="00000500000000000000" pitchFamily="2" charset="0"/>
+              </a:rPr>
               <a:t>1 semaine</a:t>
             </a:r>
           </a:p>
@@ -4287,7 +4404,7 @@
             </a:avLst>
           </a:prstGeom>
           <a:solidFill>
-            <a:srgbClr val="B087D9"/>
+            <a:srgbClr val="94DCCB"/>
           </a:solidFill>
           <a:ln>
             <a:noFill/>
@@ -4315,7 +4432,13 @@
           <a:p>
             <a:pPr algn="ctr"/>
             <a:r>
-              <a:rPr lang="fr-FR" sz="1200" dirty="0"/>
+              <a:rPr lang="fr-FR" sz="1600" dirty="0">
+                <a:solidFill>
+                  <a:sysClr val="windowText" lastClr="000000"/>
+                </a:solidFill>
+                <a:latin typeface="Poppins" panose="00000500000000000000" pitchFamily="2" charset="0"/>
+                <a:cs typeface="Poppins" panose="00000500000000000000" pitchFamily="2" charset="0"/>
+              </a:rPr>
               <a:t>Livraison</a:t>
             </a:r>
           </a:p>
@@ -4374,8 +4497,8 @@
         </p:nvSpPr>
         <p:spPr>
           <a:xfrm>
-            <a:off x="10702683" y="4087341"/>
-            <a:ext cx="1040069" cy="461665"/>
+            <a:off x="10465965" y="4218172"/>
+            <a:ext cx="1513506" cy="584775"/>
           </a:xfrm>
           <a:prstGeom prst="rect">
             <a:avLst/>
@@ -4390,7 +4513,10 @@
           <a:p>
             <a:pPr algn="ctr"/>
             <a:r>
-              <a:rPr lang="fr-FR" sz="1200" dirty="0"/>
+              <a:rPr lang="fr-FR" sz="1600" dirty="0">
+                <a:latin typeface="Poppins" panose="00000500000000000000" pitchFamily="2" charset="0"/>
+                <a:cs typeface="Poppins" panose="00000500000000000000" pitchFamily="2" charset="0"/>
+              </a:rPr>
               <a:t>Présentation du projet</a:t>
             </a:r>
           </a:p>
@@ -4411,7 +4537,7 @@
         <p:spPr>
           <a:xfrm>
             <a:off x="5106853" y="2050466"/>
-            <a:ext cx="2468880" cy="276999"/>
+            <a:ext cx="2468880" cy="338554"/>
           </a:xfrm>
           <a:prstGeom prst="rect">
             <a:avLst/>
@@ -4426,8 +4552,10 @@
           <a:p>
             <a:pPr algn="ctr"/>
             <a:r>
-              <a:rPr lang="fr-FR" sz="1200" i="0" dirty="0">
+              <a:rPr lang="fr-FR" sz="1600" i="0" dirty="0">
                 <a:effectLst/>
+                <a:latin typeface="Poppins" panose="00000500000000000000" pitchFamily="2" charset="0"/>
+                <a:cs typeface="Poppins" panose="00000500000000000000" pitchFamily="2" charset="0"/>
               </a:rPr>
               <a:t>Mme BENYOUSSEF</a:t>
             </a:r>
@@ -4449,7 +4577,7 @@
         <p:spPr>
           <a:xfrm>
             <a:off x="7099799" y="3732933"/>
-            <a:ext cx="1310618" cy="276999"/>
+            <a:ext cx="1310618" cy="338554"/>
           </a:xfrm>
           <a:prstGeom prst="rect">
             <a:avLst/>
@@ -4464,10 +4592,12 @@
           <a:p>
             <a:pPr algn="ctr"/>
             <a:r>
-              <a:rPr lang="fr-FR" sz="1200" dirty="0">
+              <a:rPr lang="fr-FR" sz="1600" dirty="0">
                 <a:solidFill>
                   <a:schemeClr val="bg1"/>
                 </a:solidFill>
+                <a:latin typeface="Poppins" panose="00000500000000000000" pitchFamily="2" charset="0"/>
+                <a:cs typeface="Poppins" panose="00000500000000000000" pitchFamily="2" charset="0"/>
               </a:rPr>
               <a:t>2 mois</a:t>
             </a:r>

--- a/presentation/Méthode_SCRUM.pptx
+++ b/presentation/Méthode_SCRUM.pptx
@@ -115,7 +115,7 @@
 <file path=ppt/revisionInfo.xml><?xml version="1.0" encoding="utf-8"?>
 <p1510:revInfo xmlns:a="http://schemas.openxmlformats.org/drawingml/2006/main" xmlns:r="http://schemas.openxmlformats.org/officeDocument/2006/relationships" xmlns:p1510="http://schemas.microsoft.com/office/powerpoint/2015/10/main">
   <p1510:revLst>
-    <p1510:client id="{EC705F34-DDED-4767-94D8-096E4394A31C}" v="9" dt="2021-06-25T09:37:01.569"/>
+    <p1510:client id="{EC705F34-DDED-4767-94D8-096E4394A31C}" v="10" dt="2021-06-28T07:27:22.312"/>
   </p1510:revLst>
 </p1510:revInfo>
 </file>
@@ -141,18 +141,18 @@
   <pc:docChgLst>
     <pc:chgData name="Hugo DEMENEZ" userId="167f3b24-aa49-4d1b-b001-4f9180dfa13d" providerId="ADAL" clId="{EC705F34-DDED-4767-94D8-096E4394A31C}"/>
     <pc:docChg chg="modSld">
-      <pc:chgData name="Hugo DEMENEZ" userId="167f3b24-aa49-4d1b-b001-4f9180dfa13d" providerId="ADAL" clId="{EC705F34-DDED-4767-94D8-096E4394A31C}" dt="2021-06-25T09:37:16.651" v="15" actId="1076"/>
+      <pc:chgData name="Hugo DEMENEZ" userId="167f3b24-aa49-4d1b-b001-4f9180dfa13d" providerId="ADAL" clId="{EC705F34-DDED-4767-94D8-096E4394A31C}" dt="2021-06-28T07:27:22.312" v="16" actId="164"/>
       <pc:docMkLst>
         <pc:docMk/>
       </pc:docMkLst>
-      <pc:sldChg chg="modSp mod">
-        <pc:chgData name="Hugo DEMENEZ" userId="167f3b24-aa49-4d1b-b001-4f9180dfa13d" providerId="ADAL" clId="{EC705F34-DDED-4767-94D8-096E4394A31C}" dt="2021-06-25T09:37:16.651" v="15" actId="1076"/>
+      <pc:sldChg chg="addSp modSp mod modAnim">
+        <pc:chgData name="Hugo DEMENEZ" userId="167f3b24-aa49-4d1b-b001-4f9180dfa13d" providerId="ADAL" clId="{EC705F34-DDED-4767-94D8-096E4394A31C}" dt="2021-06-28T07:27:22.312" v="16" actId="164"/>
         <pc:sldMkLst>
           <pc:docMk/>
           <pc:sldMk cId="1783618227" sldId="256"/>
         </pc:sldMkLst>
         <pc:spChg chg="mod">
-          <ac:chgData name="Hugo DEMENEZ" userId="167f3b24-aa49-4d1b-b001-4f9180dfa13d" providerId="ADAL" clId="{EC705F34-DDED-4767-94D8-096E4394A31C}" dt="2021-06-25T09:36:52.505" v="10" actId="403"/>
+          <ac:chgData name="Hugo DEMENEZ" userId="167f3b24-aa49-4d1b-b001-4f9180dfa13d" providerId="ADAL" clId="{EC705F34-DDED-4767-94D8-096E4394A31C}" dt="2021-06-28T07:27:22.312" v="16" actId="164"/>
           <ac:spMkLst>
             <pc:docMk/>
             <pc:sldMk cId="1783618227" sldId="256"/>
@@ -160,7 +160,7 @@
           </ac:spMkLst>
         </pc:spChg>
         <pc:spChg chg="mod">
-          <ac:chgData name="Hugo DEMENEZ" userId="167f3b24-aa49-4d1b-b001-4f9180dfa13d" providerId="ADAL" clId="{EC705F34-DDED-4767-94D8-096E4394A31C}" dt="2021-06-25T09:36:52.505" v="10" actId="403"/>
+          <ac:chgData name="Hugo DEMENEZ" userId="167f3b24-aa49-4d1b-b001-4f9180dfa13d" providerId="ADAL" clId="{EC705F34-DDED-4767-94D8-096E4394A31C}" dt="2021-06-28T07:27:22.312" v="16" actId="164"/>
           <ac:spMkLst>
             <pc:docMk/>
             <pc:sldMk cId="1783618227" sldId="256"/>
@@ -168,7 +168,7 @@
           </ac:spMkLst>
         </pc:spChg>
         <pc:spChg chg="mod">
-          <ac:chgData name="Hugo DEMENEZ" userId="167f3b24-aa49-4d1b-b001-4f9180dfa13d" providerId="ADAL" clId="{EC705F34-DDED-4767-94D8-096E4394A31C}" dt="2021-06-25T09:37:01.569" v="13" actId="403"/>
+          <ac:chgData name="Hugo DEMENEZ" userId="167f3b24-aa49-4d1b-b001-4f9180dfa13d" providerId="ADAL" clId="{EC705F34-DDED-4767-94D8-096E4394A31C}" dt="2021-06-28T07:27:22.312" v="16" actId="164"/>
           <ac:spMkLst>
             <pc:docMk/>
             <pc:sldMk cId="1783618227" sldId="256"/>
@@ -176,7 +176,7 @@
           </ac:spMkLst>
         </pc:spChg>
         <pc:spChg chg="mod">
-          <ac:chgData name="Hugo DEMENEZ" userId="167f3b24-aa49-4d1b-b001-4f9180dfa13d" providerId="ADAL" clId="{EC705F34-DDED-4767-94D8-096E4394A31C}" dt="2021-06-25T09:34:43.769" v="0" actId="207"/>
+          <ac:chgData name="Hugo DEMENEZ" userId="167f3b24-aa49-4d1b-b001-4f9180dfa13d" providerId="ADAL" clId="{EC705F34-DDED-4767-94D8-096E4394A31C}" dt="2021-06-28T07:27:22.312" v="16" actId="164"/>
           <ac:spMkLst>
             <pc:docMk/>
             <pc:sldMk cId="1783618227" sldId="256"/>
@@ -184,7 +184,7 @@
           </ac:spMkLst>
         </pc:spChg>
         <pc:spChg chg="mod">
-          <ac:chgData name="Hugo DEMENEZ" userId="167f3b24-aa49-4d1b-b001-4f9180dfa13d" providerId="ADAL" clId="{EC705F34-DDED-4767-94D8-096E4394A31C}" dt="2021-06-25T09:34:45.899" v="1" actId="207"/>
+          <ac:chgData name="Hugo DEMENEZ" userId="167f3b24-aa49-4d1b-b001-4f9180dfa13d" providerId="ADAL" clId="{EC705F34-DDED-4767-94D8-096E4394A31C}" dt="2021-06-28T07:27:22.312" v="16" actId="164"/>
           <ac:spMkLst>
             <pc:docMk/>
             <pc:sldMk cId="1783618227" sldId="256"/>
@@ -192,7 +192,7 @@
           </ac:spMkLst>
         </pc:spChg>
         <pc:spChg chg="mod">
-          <ac:chgData name="Hugo DEMENEZ" userId="167f3b24-aa49-4d1b-b001-4f9180dfa13d" providerId="ADAL" clId="{EC705F34-DDED-4767-94D8-096E4394A31C}" dt="2021-06-25T09:36:52.505" v="10" actId="403"/>
+          <ac:chgData name="Hugo DEMENEZ" userId="167f3b24-aa49-4d1b-b001-4f9180dfa13d" providerId="ADAL" clId="{EC705F34-DDED-4767-94D8-096E4394A31C}" dt="2021-06-28T07:27:22.312" v="16" actId="164"/>
           <ac:spMkLst>
             <pc:docMk/>
             <pc:sldMk cId="1783618227" sldId="256"/>
@@ -200,7 +200,7 @@
           </ac:spMkLst>
         </pc:spChg>
         <pc:spChg chg="mod">
-          <ac:chgData name="Hugo DEMENEZ" userId="167f3b24-aa49-4d1b-b001-4f9180dfa13d" providerId="ADAL" clId="{EC705F34-DDED-4767-94D8-096E4394A31C}" dt="2021-06-25T09:36:52.505" v="10" actId="403"/>
+          <ac:chgData name="Hugo DEMENEZ" userId="167f3b24-aa49-4d1b-b001-4f9180dfa13d" providerId="ADAL" clId="{EC705F34-DDED-4767-94D8-096E4394A31C}" dt="2021-06-28T07:27:22.312" v="16" actId="164"/>
           <ac:spMkLst>
             <pc:docMk/>
             <pc:sldMk cId="1783618227" sldId="256"/>
@@ -208,7 +208,7 @@
           </ac:spMkLst>
         </pc:spChg>
         <pc:spChg chg="mod">
-          <ac:chgData name="Hugo DEMENEZ" userId="167f3b24-aa49-4d1b-b001-4f9180dfa13d" providerId="ADAL" clId="{EC705F34-DDED-4767-94D8-096E4394A31C}" dt="2021-06-25T09:37:16.651" v="15" actId="1076"/>
+          <ac:chgData name="Hugo DEMENEZ" userId="167f3b24-aa49-4d1b-b001-4f9180dfa13d" providerId="ADAL" clId="{EC705F34-DDED-4767-94D8-096E4394A31C}" dt="2021-06-28T07:27:22.312" v="16" actId="164"/>
           <ac:spMkLst>
             <pc:docMk/>
             <pc:sldMk cId="1783618227" sldId="256"/>
@@ -216,7 +216,7 @@
           </ac:spMkLst>
         </pc:spChg>
         <pc:spChg chg="mod">
-          <ac:chgData name="Hugo DEMENEZ" userId="167f3b24-aa49-4d1b-b001-4f9180dfa13d" providerId="ADAL" clId="{EC705F34-DDED-4767-94D8-096E4394A31C}" dt="2021-06-25T09:36:52.505" v="10" actId="403"/>
+          <ac:chgData name="Hugo DEMENEZ" userId="167f3b24-aa49-4d1b-b001-4f9180dfa13d" providerId="ADAL" clId="{EC705F34-DDED-4767-94D8-096E4394A31C}" dt="2021-06-28T07:27:22.312" v="16" actId="164"/>
           <ac:spMkLst>
             <pc:docMk/>
             <pc:sldMk cId="1783618227" sldId="256"/>
@@ -224,13 +224,77 @@
           </ac:spMkLst>
         </pc:spChg>
         <pc:spChg chg="mod">
-          <ac:chgData name="Hugo DEMENEZ" userId="167f3b24-aa49-4d1b-b001-4f9180dfa13d" providerId="ADAL" clId="{EC705F34-DDED-4767-94D8-096E4394A31C}" dt="2021-06-25T09:36:52.505" v="10" actId="403"/>
+          <ac:chgData name="Hugo DEMENEZ" userId="167f3b24-aa49-4d1b-b001-4f9180dfa13d" providerId="ADAL" clId="{EC705F34-DDED-4767-94D8-096E4394A31C}" dt="2021-06-28T07:27:22.312" v="16" actId="164"/>
           <ac:spMkLst>
             <pc:docMk/>
             <pc:sldMk cId="1783618227" sldId="256"/>
             <ac:spMk id="37" creationId="{F3B1902C-9D3E-49DB-B1B5-C96C4FF79B71}"/>
           </ac:spMkLst>
         </pc:spChg>
+        <pc:grpChg chg="add mod">
+          <ac:chgData name="Hugo DEMENEZ" userId="167f3b24-aa49-4d1b-b001-4f9180dfa13d" providerId="ADAL" clId="{EC705F34-DDED-4767-94D8-096E4394A31C}" dt="2021-06-28T07:27:22.312" v="16" actId="164"/>
+          <ac:grpSpMkLst>
+            <pc:docMk/>
+            <pc:sldMk cId="1783618227" sldId="256"/>
+            <ac:grpSpMk id="3" creationId="{9ED19D9B-31B5-45AE-BD2F-B40EB65DCE46}"/>
+          </ac:grpSpMkLst>
+        </pc:grpChg>
+        <pc:picChg chg="mod">
+          <ac:chgData name="Hugo DEMENEZ" userId="167f3b24-aa49-4d1b-b001-4f9180dfa13d" providerId="ADAL" clId="{EC705F34-DDED-4767-94D8-096E4394A31C}" dt="2021-06-28T07:27:22.312" v="16" actId="164"/>
+          <ac:picMkLst>
+            <pc:docMk/>
+            <pc:sldMk cId="1783618227" sldId="256"/>
+            <ac:picMk id="7" creationId="{7854548E-B61A-4A03-A38B-3B7B4344D189}"/>
+          </ac:picMkLst>
+        </pc:picChg>
+        <pc:picChg chg="mod">
+          <ac:chgData name="Hugo DEMENEZ" userId="167f3b24-aa49-4d1b-b001-4f9180dfa13d" providerId="ADAL" clId="{EC705F34-DDED-4767-94D8-096E4394A31C}" dt="2021-06-28T07:27:22.312" v="16" actId="164"/>
+          <ac:picMkLst>
+            <pc:docMk/>
+            <pc:sldMk cId="1783618227" sldId="256"/>
+            <ac:picMk id="9" creationId="{E199F544-A165-454E-90FD-F740C656B935}"/>
+          </ac:picMkLst>
+        </pc:picChg>
+        <pc:picChg chg="mod">
+          <ac:chgData name="Hugo DEMENEZ" userId="167f3b24-aa49-4d1b-b001-4f9180dfa13d" providerId="ADAL" clId="{EC705F34-DDED-4767-94D8-096E4394A31C}" dt="2021-06-28T07:27:22.312" v="16" actId="164"/>
+          <ac:picMkLst>
+            <pc:docMk/>
+            <pc:sldMk cId="1783618227" sldId="256"/>
+            <ac:picMk id="13" creationId="{FEDF8733-2C86-4169-883D-CC85252D2772}"/>
+          </ac:picMkLst>
+        </pc:picChg>
+        <pc:picChg chg="mod">
+          <ac:chgData name="Hugo DEMENEZ" userId="167f3b24-aa49-4d1b-b001-4f9180dfa13d" providerId="ADAL" clId="{EC705F34-DDED-4767-94D8-096E4394A31C}" dt="2021-06-28T07:27:22.312" v="16" actId="164"/>
+          <ac:picMkLst>
+            <pc:docMk/>
+            <pc:sldMk cId="1783618227" sldId="256"/>
+            <ac:picMk id="15" creationId="{FCA76156-41F2-41BF-B49F-C89899180AE0}"/>
+          </ac:picMkLst>
+        </pc:picChg>
+        <pc:picChg chg="mod">
+          <ac:chgData name="Hugo DEMENEZ" userId="167f3b24-aa49-4d1b-b001-4f9180dfa13d" providerId="ADAL" clId="{EC705F34-DDED-4767-94D8-096E4394A31C}" dt="2021-06-28T07:27:22.312" v="16" actId="164"/>
+          <ac:picMkLst>
+            <pc:docMk/>
+            <pc:sldMk cId="1783618227" sldId="256"/>
+            <ac:picMk id="17" creationId="{642EDF28-58E7-49C8-89FF-3B0F019468A5}"/>
+          </ac:picMkLst>
+        </pc:picChg>
+        <pc:picChg chg="mod">
+          <ac:chgData name="Hugo DEMENEZ" userId="167f3b24-aa49-4d1b-b001-4f9180dfa13d" providerId="ADAL" clId="{EC705F34-DDED-4767-94D8-096E4394A31C}" dt="2021-06-28T07:27:22.312" v="16" actId="164"/>
+          <ac:picMkLst>
+            <pc:docMk/>
+            <pc:sldMk cId="1783618227" sldId="256"/>
+            <ac:picMk id="25" creationId="{870E6D5C-1202-43E6-9441-5F554DD854D4}"/>
+          </ac:picMkLst>
+        </pc:picChg>
+        <pc:picChg chg="mod">
+          <ac:chgData name="Hugo DEMENEZ" userId="167f3b24-aa49-4d1b-b001-4f9180dfa13d" providerId="ADAL" clId="{EC705F34-DDED-4767-94D8-096E4394A31C}" dt="2021-06-28T07:27:22.312" v="16" actId="164"/>
+          <ac:picMkLst>
+            <pc:docMk/>
+            <pc:sldMk cId="1783618227" sldId="256"/>
+            <ac:picMk id="31" creationId="{ABFC3C9C-3A46-4701-97B0-1E5882711E15}"/>
+          </ac:picMkLst>
+        </pc:picChg>
       </pc:sldChg>
     </pc:docChg>
   </pc:docChgLst>
@@ -384,7 +448,7 @@
           <a:p>
             <a:fld id="{DE65193B-1ACD-41B2-91EA-EE53B77F62BF}" type="datetimeFigureOut">
               <a:rPr lang="fr-FR" smtClean="0"/>
-              <a:t>25/06/2021</a:t>
+              <a:t>28/06/2021</a:t>
             </a:fld>
             <a:endParaRPr lang="fr-FR"/>
           </a:p>
@@ -582,7 +646,7 @@
           <a:p>
             <a:fld id="{DE65193B-1ACD-41B2-91EA-EE53B77F62BF}" type="datetimeFigureOut">
               <a:rPr lang="fr-FR" smtClean="0"/>
-              <a:t>25/06/2021</a:t>
+              <a:t>28/06/2021</a:t>
             </a:fld>
             <a:endParaRPr lang="fr-FR"/>
           </a:p>
@@ -790,7 +854,7 @@
           <a:p>
             <a:fld id="{DE65193B-1ACD-41B2-91EA-EE53B77F62BF}" type="datetimeFigureOut">
               <a:rPr lang="fr-FR" smtClean="0"/>
-              <a:t>25/06/2021</a:t>
+              <a:t>28/06/2021</a:t>
             </a:fld>
             <a:endParaRPr lang="fr-FR"/>
           </a:p>
@@ -988,7 +1052,7 @@
           <a:p>
             <a:fld id="{DE65193B-1ACD-41B2-91EA-EE53B77F62BF}" type="datetimeFigureOut">
               <a:rPr lang="fr-FR" smtClean="0"/>
-              <a:t>25/06/2021</a:t>
+              <a:t>28/06/2021</a:t>
             </a:fld>
             <a:endParaRPr lang="fr-FR"/>
           </a:p>
@@ -1263,7 +1327,7 @@
           <a:p>
             <a:fld id="{DE65193B-1ACD-41B2-91EA-EE53B77F62BF}" type="datetimeFigureOut">
               <a:rPr lang="fr-FR" smtClean="0"/>
-              <a:t>25/06/2021</a:t>
+              <a:t>28/06/2021</a:t>
             </a:fld>
             <a:endParaRPr lang="fr-FR"/>
           </a:p>
@@ -1528,7 +1592,7 @@
           <a:p>
             <a:fld id="{DE65193B-1ACD-41B2-91EA-EE53B77F62BF}" type="datetimeFigureOut">
               <a:rPr lang="fr-FR" smtClean="0"/>
-              <a:t>25/06/2021</a:t>
+              <a:t>28/06/2021</a:t>
             </a:fld>
             <a:endParaRPr lang="fr-FR"/>
           </a:p>
@@ -1940,7 +2004,7 @@
           <a:p>
             <a:fld id="{DE65193B-1ACD-41B2-91EA-EE53B77F62BF}" type="datetimeFigureOut">
               <a:rPr lang="fr-FR" smtClean="0"/>
-              <a:t>25/06/2021</a:t>
+              <a:t>28/06/2021</a:t>
             </a:fld>
             <a:endParaRPr lang="fr-FR"/>
           </a:p>
@@ -2081,7 +2145,7 @@
           <a:p>
             <a:fld id="{DE65193B-1ACD-41B2-91EA-EE53B77F62BF}" type="datetimeFigureOut">
               <a:rPr lang="fr-FR" smtClean="0"/>
-              <a:t>25/06/2021</a:t>
+              <a:t>28/06/2021</a:t>
             </a:fld>
             <a:endParaRPr lang="fr-FR"/>
           </a:p>
@@ -2194,7 +2258,7 @@
           <a:p>
             <a:fld id="{DE65193B-1ACD-41B2-91EA-EE53B77F62BF}" type="datetimeFigureOut">
               <a:rPr lang="fr-FR" smtClean="0"/>
-              <a:t>25/06/2021</a:t>
+              <a:t>28/06/2021</a:t>
             </a:fld>
             <a:endParaRPr lang="fr-FR"/>
           </a:p>
@@ -2505,7 +2569,7 @@
           <a:p>
             <a:fld id="{DE65193B-1ACD-41B2-91EA-EE53B77F62BF}" type="datetimeFigureOut">
               <a:rPr lang="fr-FR" smtClean="0"/>
-              <a:t>25/06/2021</a:t>
+              <a:t>28/06/2021</a:t>
             </a:fld>
             <a:endParaRPr lang="fr-FR"/>
           </a:p>
@@ -2793,7 +2857,7 @@
           <a:p>
             <a:fld id="{DE65193B-1ACD-41B2-91EA-EE53B77F62BF}" type="datetimeFigureOut">
               <a:rPr lang="fr-FR" smtClean="0"/>
-              <a:t>25/06/2021</a:t>
+              <a:t>28/06/2021</a:t>
             </a:fld>
             <a:endParaRPr lang="fr-FR"/>
           </a:p>
@@ -3034,7 +3098,7 @@
           <a:p>
             <a:fld id="{DE65193B-1ACD-41B2-91EA-EE53B77F62BF}" type="datetimeFigureOut">
               <a:rPr lang="fr-FR" smtClean="0"/>
-              <a:t>25/06/2021</a:t>
+              <a:t>28/06/2021</a:t>
             </a:fld>
             <a:endParaRPr lang="fr-FR"/>
           </a:p>
@@ -3487,1123 +3551,1144 @@
           </a:p>
         </p:txBody>
       </p:sp>
-      <p:pic>
-        <p:nvPicPr>
-          <p:cNvPr id="7" name="Graphique 6" descr="Brainstorming de groupe contour">
-            <a:extLst>
-              <a:ext uri="{FF2B5EF4-FFF2-40B4-BE49-F238E27FC236}">
-                <a16:creationId xmlns:a16="http://schemas.microsoft.com/office/drawing/2014/main" id="{7854548E-B61A-4A03-A38B-3B7B4344D189}"/>
-              </a:ext>
-            </a:extLst>
-          </p:cNvPr>
-          <p:cNvPicPr>
-            <a:picLocks noChangeAspect="1"/>
-          </p:cNvPicPr>
+      <p:grpSp>
+        <p:nvGrpSpPr>
+          <p:cNvPr id="3" name="Groupe 2">
+            <a:extLst>
+              <a:ext uri="{FF2B5EF4-FFF2-40B4-BE49-F238E27FC236}">
+                <a16:creationId xmlns:a16="http://schemas.microsoft.com/office/drawing/2014/main" id="{9ED19D9B-31B5-45AE-BD2F-B40EB65DCE46}"/>
+              </a:ext>
+            </a:extLst>
+          </p:cNvPr>
+          <p:cNvGrpSpPr/>
           <p:nvPr/>
-        </p:nvPicPr>
-        <p:blipFill>
-          <a:blip r:embed="rId2">
-            <a:extLst>
-              <a:ext uri="{28A0092B-C50C-407E-A947-70E740481C1C}">
-                <a14:useLocalDpi xmlns:a14="http://schemas.microsoft.com/office/drawing/2010/main" val="0"/>
-              </a:ext>
-              <a:ext uri="{96DAC541-7B7A-43D3-8B79-37D633B846F1}">
-                <asvg:svgBlip xmlns:asvg="http://schemas.microsoft.com/office/drawing/2016/SVG/main" r:embed="rId3"/>
-              </a:ext>
-            </a:extLst>
-          </a:blip>
-          <a:stretch>
-            <a:fillRect/>
-          </a:stretch>
-        </p:blipFill>
-        <p:spPr>
+        </p:nvGrpSpPr>
+        <p:grpSpPr>
           <a:xfrm>
-            <a:off x="7665635" y="2676697"/>
-            <a:ext cx="914400" cy="914400"/>
+            <a:off x="372279" y="1253201"/>
+            <a:ext cx="11607192" cy="3602379"/>
+            <a:chOff x="372279" y="1253201"/>
+            <a:chExt cx="11607192" cy="3602379"/>
           </a:xfrm>
-          <a:prstGeom prst="rect">
-            <a:avLst/>
-          </a:prstGeom>
-        </p:spPr>
-      </p:pic>
-      <p:pic>
-        <p:nvPicPr>
-          <p:cNvPr id="9" name="Graphique 8" descr="Profil femelle contour">
-            <a:extLst>
-              <a:ext uri="{FF2B5EF4-FFF2-40B4-BE49-F238E27FC236}">
-                <a16:creationId xmlns:a16="http://schemas.microsoft.com/office/drawing/2014/main" id="{E199F544-A165-454E-90FD-F740C656B935}"/>
-              </a:ext>
-            </a:extLst>
-          </p:cNvPr>
-          <p:cNvPicPr>
-            <a:picLocks noChangeAspect="1"/>
-          </p:cNvPicPr>
-          <p:nvPr/>
-        </p:nvPicPr>
-        <p:blipFill>
-          <a:blip r:embed="rId4">
-            <a:extLst>
-              <a:ext uri="{28A0092B-C50C-407E-A947-70E740481C1C}">
-                <a14:useLocalDpi xmlns:a14="http://schemas.microsoft.com/office/drawing/2010/main" val="0"/>
-              </a:ext>
-              <a:ext uri="{96DAC541-7B7A-43D3-8B79-37D633B846F1}">
-                <asvg:svgBlip xmlns:asvg="http://schemas.microsoft.com/office/drawing/2016/SVG/main" r:embed="rId5"/>
-              </a:ext>
-            </a:extLst>
-          </a:blip>
-          <a:stretch>
-            <a:fillRect/>
-          </a:stretch>
-        </p:blipFill>
-        <p:spPr>
-          <a:xfrm>
-            <a:off x="5884093" y="1253201"/>
-            <a:ext cx="914400" cy="914400"/>
-          </a:xfrm>
-          <a:prstGeom prst="rect">
-            <a:avLst/>
-          </a:prstGeom>
-        </p:spPr>
-      </p:pic>
-      <p:pic>
-        <p:nvPicPr>
-          <p:cNvPr id="13" name="Graphique 12" descr="Calendrier journalier contour">
-            <a:extLst>
-              <a:ext uri="{FF2B5EF4-FFF2-40B4-BE49-F238E27FC236}">
-                <a16:creationId xmlns:a16="http://schemas.microsoft.com/office/drawing/2014/main" id="{FEDF8733-2C86-4169-883D-CC85252D2772}"/>
-              </a:ext>
-            </a:extLst>
-          </p:cNvPr>
-          <p:cNvPicPr>
-            <a:picLocks noChangeAspect="1"/>
-          </p:cNvPicPr>
-          <p:nvPr/>
-        </p:nvPicPr>
-        <p:blipFill>
-          <a:blip r:embed="rId6">
-            <a:extLst>
-              <a:ext uri="{28A0092B-C50C-407E-A947-70E740481C1C}">
-                <a14:useLocalDpi xmlns:a14="http://schemas.microsoft.com/office/drawing/2010/main" val="0"/>
-              </a:ext>
-              <a:ext uri="{96DAC541-7B7A-43D3-8B79-37D633B846F1}">
-                <asvg:svgBlip xmlns:asvg="http://schemas.microsoft.com/office/drawing/2016/SVG/main" r:embed="rId7"/>
-              </a:ext>
-            </a:extLst>
-          </a:blip>
-          <a:stretch>
-            <a:fillRect/>
-          </a:stretch>
-        </p:blipFill>
-        <p:spPr>
-          <a:xfrm>
-            <a:off x="6005714" y="3326807"/>
-            <a:ext cx="914400" cy="914400"/>
-          </a:xfrm>
-          <a:prstGeom prst="rect">
-            <a:avLst/>
-          </a:prstGeom>
-        </p:spPr>
-      </p:pic>
-      <p:pic>
-        <p:nvPicPr>
-          <p:cNvPr id="15" name="Graphique 14" descr="Bonne idée contour">
-            <a:extLst>
-              <a:ext uri="{FF2B5EF4-FFF2-40B4-BE49-F238E27FC236}">
-                <a16:creationId xmlns:a16="http://schemas.microsoft.com/office/drawing/2014/main" id="{FCA76156-41F2-41BF-B49F-C89899180AE0}"/>
-              </a:ext>
-            </a:extLst>
-          </p:cNvPr>
-          <p:cNvPicPr>
-            <a:picLocks noChangeAspect="1"/>
-          </p:cNvPicPr>
-          <p:nvPr/>
-        </p:nvPicPr>
-        <p:blipFill>
-          <a:blip r:embed="rId8">
-            <a:extLst>
-              <a:ext uri="{28A0092B-C50C-407E-A947-70E740481C1C}">
-                <a14:useLocalDpi xmlns:a14="http://schemas.microsoft.com/office/drawing/2010/main" val="0"/>
-              </a:ext>
-              <a:ext uri="{96DAC541-7B7A-43D3-8B79-37D633B846F1}">
-                <asvg:svgBlip xmlns:asvg="http://schemas.microsoft.com/office/drawing/2016/SVG/main" r:embed="rId9"/>
-              </a:ext>
-            </a:extLst>
-          </a:blip>
-          <a:stretch>
-            <a:fillRect/>
-          </a:stretch>
-        </p:blipFill>
-        <p:spPr>
-          <a:xfrm>
-            <a:off x="372279" y="3309037"/>
-            <a:ext cx="914400" cy="914400"/>
-          </a:xfrm>
-          <a:prstGeom prst="rect">
-            <a:avLst/>
-          </a:prstGeom>
-        </p:spPr>
-      </p:pic>
-      <p:pic>
-        <p:nvPicPr>
-          <p:cNvPr id="17" name="Graphique 16" descr="Présentation avec liste de vérification contour">
-            <a:extLst>
-              <a:ext uri="{FF2B5EF4-FFF2-40B4-BE49-F238E27FC236}">
-                <a16:creationId xmlns:a16="http://schemas.microsoft.com/office/drawing/2014/main" id="{642EDF28-58E7-49C8-89FF-3B0F019468A5}"/>
-              </a:ext>
-            </a:extLst>
-          </p:cNvPr>
-          <p:cNvPicPr>
-            <a:picLocks noChangeAspect="1"/>
-          </p:cNvPicPr>
-          <p:nvPr/>
-        </p:nvPicPr>
-        <p:blipFill>
-          <a:blip r:embed="rId10">
-            <a:extLst>
-              <a:ext uri="{28A0092B-C50C-407E-A947-70E740481C1C}">
-                <a14:useLocalDpi xmlns:a14="http://schemas.microsoft.com/office/drawing/2010/main" val="0"/>
-              </a:ext>
-              <a:ext uri="{96DAC541-7B7A-43D3-8B79-37D633B846F1}">
-                <asvg:svgBlip xmlns:asvg="http://schemas.microsoft.com/office/drawing/2016/SVG/main" r:embed="rId11"/>
-              </a:ext>
-            </a:extLst>
-          </a:blip>
-          <a:stretch>
-            <a:fillRect/>
-          </a:stretch>
-        </p:blipFill>
-        <p:spPr>
-          <a:xfrm>
-            <a:off x="3202193" y="3356405"/>
-            <a:ext cx="914400" cy="914400"/>
-          </a:xfrm>
-          <a:prstGeom prst="rect">
-            <a:avLst/>
-          </a:prstGeom>
-        </p:spPr>
-      </p:pic>
-      <p:sp>
-        <p:nvSpPr>
-          <p:cNvPr id="20" name="Flèche : droite 19">
-            <a:extLst>
-              <a:ext uri="{FF2B5EF4-FFF2-40B4-BE49-F238E27FC236}">
-                <a16:creationId xmlns:a16="http://schemas.microsoft.com/office/drawing/2014/main" id="{4C2F6D90-6E06-4360-92C7-AF5A90BBE946}"/>
-              </a:ext>
-            </a:extLst>
-          </p:cNvPr>
-          <p:cNvSpPr/>
-          <p:nvPr/>
-        </p:nvSpPr>
-        <p:spPr>
-          <a:xfrm>
-            <a:off x="1340164" y="3578914"/>
-            <a:ext cx="1808544" cy="469383"/>
-          </a:xfrm>
-          <a:prstGeom prst="rightArrow">
-            <a:avLst>
-              <a:gd name="adj1" fmla="val 50000"/>
-              <a:gd name="adj2" fmla="val 83282"/>
-            </a:avLst>
-          </a:prstGeom>
-          <a:solidFill>
-            <a:srgbClr val="94DCCB"/>
-          </a:solidFill>
-          <a:ln>
+        </p:grpSpPr>
+        <p:pic>
+          <p:nvPicPr>
+            <p:cNvPr id="7" name="Graphique 6" descr="Brainstorming de groupe contour">
+              <a:extLst>
+                <a:ext uri="{FF2B5EF4-FFF2-40B4-BE49-F238E27FC236}">
+                  <a16:creationId xmlns:a16="http://schemas.microsoft.com/office/drawing/2014/main" id="{7854548E-B61A-4A03-A38B-3B7B4344D189}"/>
+                </a:ext>
+              </a:extLst>
+            </p:cNvPr>
+            <p:cNvPicPr>
+              <a:picLocks noChangeAspect="1"/>
+            </p:cNvPicPr>
+            <p:nvPr/>
+          </p:nvPicPr>
+          <p:blipFill>
+            <a:blip r:embed="rId2">
+              <a:extLst>
+                <a:ext uri="{28A0092B-C50C-407E-A947-70E740481C1C}">
+                  <a14:useLocalDpi xmlns:a14="http://schemas.microsoft.com/office/drawing/2010/main" val="0"/>
+                </a:ext>
+                <a:ext uri="{96DAC541-7B7A-43D3-8B79-37D633B846F1}">
+                  <asvg:svgBlip xmlns:asvg="http://schemas.microsoft.com/office/drawing/2016/SVG/main" r:embed="rId3"/>
+                </a:ext>
+              </a:extLst>
+            </a:blip>
+            <a:stretch>
+              <a:fillRect/>
+            </a:stretch>
+          </p:blipFill>
+          <p:spPr>
+            <a:xfrm>
+              <a:off x="7665635" y="2676697"/>
+              <a:ext cx="914400" cy="914400"/>
+            </a:xfrm>
+            <a:prstGeom prst="rect">
+              <a:avLst/>
+            </a:prstGeom>
+          </p:spPr>
+        </p:pic>
+        <p:pic>
+          <p:nvPicPr>
+            <p:cNvPr id="9" name="Graphique 8" descr="Profil femelle contour">
+              <a:extLst>
+                <a:ext uri="{FF2B5EF4-FFF2-40B4-BE49-F238E27FC236}">
+                  <a16:creationId xmlns:a16="http://schemas.microsoft.com/office/drawing/2014/main" id="{E199F544-A165-454E-90FD-F740C656B935}"/>
+                </a:ext>
+              </a:extLst>
+            </p:cNvPr>
+            <p:cNvPicPr>
+              <a:picLocks noChangeAspect="1"/>
+            </p:cNvPicPr>
+            <p:nvPr/>
+          </p:nvPicPr>
+          <p:blipFill>
+            <a:blip r:embed="rId4">
+              <a:extLst>
+                <a:ext uri="{28A0092B-C50C-407E-A947-70E740481C1C}">
+                  <a14:useLocalDpi xmlns:a14="http://schemas.microsoft.com/office/drawing/2010/main" val="0"/>
+                </a:ext>
+                <a:ext uri="{96DAC541-7B7A-43D3-8B79-37D633B846F1}">
+                  <asvg:svgBlip xmlns:asvg="http://schemas.microsoft.com/office/drawing/2016/SVG/main" r:embed="rId5"/>
+                </a:ext>
+              </a:extLst>
+            </a:blip>
+            <a:stretch>
+              <a:fillRect/>
+            </a:stretch>
+          </p:blipFill>
+          <p:spPr>
+            <a:xfrm>
+              <a:off x="5884093" y="1253201"/>
+              <a:ext cx="914400" cy="914400"/>
+            </a:xfrm>
+            <a:prstGeom prst="rect">
+              <a:avLst/>
+            </a:prstGeom>
+          </p:spPr>
+        </p:pic>
+        <p:pic>
+          <p:nvPicPr>
+            <p:cNvPr id="13" name="Graphique 12" descr="Calendrier journalier contour">
+              <a:extLst>
+                <a:ext uri="{FF2B5EF4-FFF2-40B4-BE49-F238E27FC236}">
+                  <a16:creationId xmlns:a16="http://schemas.microsoft.com/office/drawing/2014/main" id="{FEDF8733-2C86-4169-883D-CC85252D2772}"/>
+                </a:ext>
+              </a:extLst>
+            </p:cNvPr>
+            <p:cNvPicPr>
+              <a:picLocks noChangeAspect="1"/>
+            </p:cNvPicPr>
+            <p:nvPr/>
+          </p:nvPicPr>
+          <p:blipFill>
+            <a:blip r:embed="rId6">
+              <a:extLst>
+                <a:ext uri="{28A0092B-C50C-407E-A947-70E740481C1C}">
+                  <a14:useLocalDpi xmlns:a14="http://schemas.microsoft.com/office/drawing/2010/main" val="0"/>
+                </a:ext>
+                <a:ext uri="{96DAC541-7B7A-43D3-8B79-37D633B846F1}">
+                  <asvg:svgBlip xmlns:asvg="http://schemas.microsoft.com/office/drawing/2016/SVG/main" r:embed="rId7"/>
+                </a:ext>
+              </a:extLst>
+            </a:blip>
+            <a:stretch>
+              <a:fillRect/>
+            </a:stretch>
+          </p:blipFill>
+          <p:spPr>
+            <a:xfrm>
+              <a:off x="6005714" y="3326807"/>
+              <a:ext cx="914400" cy="914400"/>
+            </a:xfrm>
+            <a:prstGeom prst="rect">
+              <a:avLst/>
+            </a:prstGeom>
+          </p:spPr>
+        </p:pic>
+        <p:pic>
+          <p:nvPicPr>
+            <p:cNvPr id="15" name="Graphique 14" descr="Bonne idée contour">
+              <a:extLst>
+                <a:ext uri="{FF2B5EF4-FFF2-40B4-BE49-F238E27FC236}">
+                  <a16:creationId xmlns:a16="http://schemas.microsoft.com/office/drawing/2014/main" id="{FCA76156-41F2-41BF-B49F-C89899180AE0}"/>
+                </a:ext>
+              </a:extLst>
+            </p:cNvPr>
+            <p:cNvPicPr>
+              <a:picLocks noChangeAspect="1"/>
+            </p:cNvPicPr>
+            <p:nvPr/>
+          </p:nvPicPr>
+          <p:blipFill>
+            <a:blip r:embed="rId8">
+              <a:extLst>
+                <a:ext uri="{28A0092B-C50C-407E-A947-70E740481C1C}">
+                  <a14:useLocalDpi xmlns:a14="http://schemas.microsoft.com/office/drawing/2010/main" val="0"/>
+                </a:ext>
+                <a:ext uri="{96DAC541-7B7A-43D3-8B79-37D633B846F1}">
+                  <asvg:svgBlip xmlns:asvg="http://schemas.microsoft.com/office/drawing/2016/SVG/main" r:embed="rId9"/>
+                </a:ext>
+              </a:extLst>
+            </a:blip>
+            <a:stretch>
+              <a:fillRect/>
+            </a:stretch>
+          </p:blipFill>
+          <p:spPr>
+            <a:xfrm>
+              <a:off x="372279" y="3309037"/>
+              <a:ext cx="914400" cy="914400"/>
+            </a:xfrm>
+            <a:prstGeom prst="rect">
+              <a:avLst/>
+            </a:prstGeom>
+          </p:spPr>
+        </p:pic>
+        <p:pic>
+          <p:nvPicPr>
+            <p:cNvPr id="17" name="Graphique 16" descr="Présentation avec liste de vérification contour">
+              <a:extLst>
+                <a:ext uri="{FF2B5EF4-FFF2-40B4-BE49-F238E27FC236}">
+                  <a16:creationId xmlns:a16="http://schemas.microsoft.com/office/drawing/2014/main" id="{642EDF28-58E7-49C8-89FF-3B0F019468A5}"/>
+                </a:ext>
+              </a:extLst>
+            </p:cNvPr>
+            <p:cNvPicPr>
+              <a:picLocks noChangeAspect="1"/>
+            </p:cNvPicPr>
+            <p:nvPr/>
+          </p:nvPicPr>
+          <p:blipFill>
+            <a:blip r:embed="rId10">
+              <a:extLst>
+                <a:ext uri="{28A0092B-C50C-407E-A947-70E740481C1C}">
+                  <a14:useLocalDpi xmlns:a14="http://schemas.microsoft.com/office/drawing/2010/main" val="0"/>
+                </a:ext>
+                <a:ext uri="{96DAC541-7B7A-43D3-8B79-37D633B846F1}">
+                  <asvg:svgBlip xmlns:asvg="http://schemas.microsoft.com/office/drawing/2016/SVG/main" r:embed="rId11"/>
+                </a:ext>
+              </a:extLst>
+            </a:blip>
+            <a:stretch>
+              <a:fillRect/>
+            </a:stretch>
+          </p:blipFill>
+          <p:spPr>
+            <a:xfrm>
+              <a:off x="3202193" y="3356405"/>
+              <a:ext cx="914400" cy="914400"/>
+            </a:xfrm>
+            <a:prstGeom prst="rect">
+              <a:avLst/>
+            </a:prstGeom>
+          </p:spPr>
+        </p:pic>
+        <p:sp>
+          <p:nvSpPr>
+            <p:cNvPr id="20" name="Flèche : droite 19">
+              <a:extLst>
+                <a:ext uri="{FF2B5EF4-FFF2-40B4-BE49-F238E27FC236}">
+                  <a16:creationId xmlns:a16="http://schemas.microsoft.com/office/drawing/2014/main" id="{4C2F6D90-6E06-4360-92C7-AF5A90BBE946}"/>
+                </a:ext>
+              </a:extLst>
+            </p:cNvPr>
+            <p:cNvSpPr/>
+            <p:nvPr/>
+          </p:nvSpPr>
+          <p:spPr>
+            <a:xfrm>
+              <a:off x="1340164" y="3578914"/>
+              <a:ext cx="1808544" cy="469383"/>
+            </a:xfrm>
+            <a:prstGeom prst="rightArrow">
+              <a:avLst>
+                <a:gd name="adj1" fmla="val 50000"/>
+                <a:gd name="adj2" fmla="val 83282"/>
+              </a:avLst>
+            </a:prstGeom>
+            <a:solidFill>
+              <a:srgbClr val="94DCCB"/>
+            </a:solidFill>
+            <a:ln>
+              <a:noFill/>
+            </a:ln>
+          </p:spPr>
+          <p:style>
+            <a:lnRef idx="2">
+              <a:schemeClr val="accent1">
+                <a:shade val="50000"/>
+              </a:schemeClr>
+            </a:lnRef>
+            <a:fillRef idx="1">
+              <a:schemeClr val="accent1"/>
+            </a:fillRef>
+            <a:effectRef idx="0">
+              <a:schemeClr val="accent1"/>
+            </a:effectRef>
+            <a:fontRef idx="minor">
+              <a:schemeClr val="lt1"/>
+            </a:fontRef>
+          </p:style>
+          <p:txBody>
+            <a:bodyPr rtlCol="0" anchor="ctr"/>
+            <a:lstStyle/>
+            <a:p>
+              <a:pPr algn="ctr"/>
+              <a:r>
+                <a:rPr lang="fr-FR" sz="1600" dirty="0">
+                  <a:solidFill>
+                    <a:sysClr val="windowText" lastClr="000000"/>
+                  </a:solidFill>
+                  <a:latin typeface="Poppins" panose="00000500000000000000" pitchFamily="2" charset="0"/>
+                  <a:cs typeface="Poppins" panose="00000500000000000000" pitchFamily="2" charset="0"/>
+                </a:rPr>
+                <a:t>Idée du projet</a:t>
+              </a:r>
+            </a:p>
+          </p:txBody>
+        </p:sp>
+        <p:sp>
+          <p:nvSpPr>
+            <p:cNvPr id="21" name="Flèche : droite 20">
+              <a:extLst>
+                <a:ext uri="{FF2B5EF4-FFF2-40B4-BE49-F238E27FC236}">
+                  <a16:creationId xmlns:a16="http://schemas.microsoft.com/office/drawing/2014/main" id="{9AF35DEB-96EA-45C6-BE09-28C2D2724450}"/>
+                </a:ext>
+              </a:extLst>
+            </p:cNvPr>
+            <p:cNvSpPr/>
+            <p:nvPr/>
+          </p:nvSpPr>
+          <p:spPr>
+            <a:xfrm>
+              <a:off x="4170778" y="3578914"/>
+              <a:ext cx="1808544" cy="469383"/>
+            </a:xfrm>
+            <a:prstGeom prst="rightArrow">
+              <a:avLst>
+                <a:gd name="adj1" fmla="val 50000"/>
+                <a:gd name="adj2" fmla="val 83282"/>
+              </a:avLst>
+            </a:prstGeom>
+            <a:solidFill>
+              <a:srgbClr val="94DCCB"/>
+            </a:solidFill>
+            <a:ln>
+              <a:noFill/>
+            </a:ln>
+          </p:spPr>
+          <p:style>
+            <a:lnRef idx="2">
+              <a:schemeClr val="accent1">
+                <a:shade val="50000"/>
+              </a:schemeClr>
+            </a:lnRef>
+            <a:fillRef idx="1">
+              <a:schemeClr val="accent1"/>
+            </a:fillRef>
+            <a:effectRef idx="0">
+              <a:schemeClr val="accent1"/>
+            </a:effectRef>
+            <a:fontRef idx="minor">
+              <a:schemeClr val="lt1"/>
+            </a:fontRef>
+          </p:style>
+          <p:txBody>
+            <a:bodyPr rtlCol="0" anchor="ctr"/>
+            <a:lstStyle/>
+            <a:p>
+              <a:pPr algn="ctr"/>
+              <a:r>
+                <a:rPr lang="fr-FR" sz="1600" dirty="0">
+                  <a:solidFill>
+                    <a:sysClr val="windowText" lastClr="000000"/>
+                  </a:solidFill>
+                  <a:latin typeface="Poppins" panose="00000500000000000000" pitchFamily="2" charset="0"/>
+                  <a:cs typeface="Poppins" panose="00000500000000000000" pitchFamily="2" charset="0"/>
+                </a:rPr>
+                <a:t>Planification</a:t>
+              </a:r>
+            </a:p>
+          </p:txBody>
+        </p:sp>
+        <p:pic>
+          <p:nvPicPr>
+            <p:cNvPr id="25" name="Graphique 24" descr="Utilisateurs contour">
+              <a:extLst>
+                <a:ext uri="{FF2B5EF4-FFF2-40B4-BE49-F238E27FC236}">
+                  <a16:creationId xmlns:a16="http://schemas.microsoft.com/office/drawing/2014/main" id="{870E6D5C-1202-43E6-9441-5F554DD854D4}"/>
+                </a:ext>
+              </a:extLst>
+            </p:cNvPr>
+            <p:cNvPicPr>
+              <a:picLocks noChangeAspect="1"/>
+            </p:cNvPicPr>
+            <p:nvPr/>
+          </p:nvPicPr>
+          <p:blipFill>
+            <a:blip r:embed="rId12">
+              <a:extLst>
+                <a:ext uri="{28A0092B-C50C-407E-A947-70E740481C1C}">
+                  <a14:useLocalDpi xmlns:a14="http://schemas.microsoft.com/office/drawing/2010/main" val="0"/>
+                </a:ext>
+                <a:ext uri="{96DAC541-7B7A-43D3-8B79-37D633B846F1}">
+                  <asvg:svgBlip xmlns:asvg="http://schemas.microsoft.com/office/drawing/2016/SVG/main" r:embed="rId13"/>
+                </a:ext>
+              </a:extLst>
+            </a:blip>
+            <a:stretch>
+              <a:fillRect/>
+            </a:stretch>
+          </p:blipFill>
+          <p:spPr>
+            <a:xfrm>
+              <a:off x="1732848" y="2705792"/>
+              <a:ext cx="914400" cy="914400"/>
+            </a:xfrm>
+            <a:prstGeom prst="rect">
+              <a:avLst/>
+            </a:prstGeom>
+          </p:spPr>
+        </p:pic>
+        <p:sp>
+          <p:nvSpPr>
+            <p:cNvPr id="26" name="ZoneTexte 25">
+              <a:extLst>
+                <a:ext uri="{FF2B5EF4-FFF2-40B4-BE49-F238E27FC236}">
+                  <a16:creationId xmlns:a16="http://schemas.microsoft.com/office/drawing/2014/main" id="{9D81606B-5B97-4CA0-A409-8C8716E2AF53}"/>
+                </a:ext>
+              </a:extLst>
+            </p:cNvPr>
+            <p:cNvSpPr txBox="1"/>
+            <p:nvPr/>
+          </p:nvSpPr>
+          <p:spPr>
+            <a:xfrm>
+              <a:off x="2927873" y="4270805"/>
+              <a:ext cx="1463040" cy="584775"/>
+            </a:xfrm>
+            <a:prstGeom prst="rect">
+              <a:avLst/>
+            </a:prstGeom>
             <a:noFill/>
-          </a:ln>
-        </p:spPr>
-        <p:style>
-          <a:lnRef idx="2">
-            <a:schemeClr val="accent1">
-              <a:shade val="50000"/>
-            </a:schemeClr>
-          </a:lnRef>
-          <a:fillRef idx="1">
-            <a:schemeClr val="accent1"/>
-          </a:fillRef>
-          <a:effectRef idx="0">
-            <a:schemeClr val="accent1"/>
-          </a:effectRef>
-          <a:fontRef idx="minor">
-            <a:schemeClr val="lt1"/>
-          </a:fontRef>
-        </p:style>
-        <p:txBody>
-          <a:bodyPr rtlCol="0" anchor="ctr"/>
-          <a:lstStyle/>
-          <a:p>
-            <a:pPr algn="ctr"/>
-            <a:r>
-              <a:rPr lang="fr-FR" sz="1600" dirty="0">
+          </p:spPr>
+          <p:txBody>
+            <a:bodyPr wrap="square" rtlCol="0">
+              <a:spAutoFit/>
+            </a:bodyPr>
+            <a:lstStyle/>
+            <a:p>
+              <a:pPr algn="ctr"/>
+              <a:r>
+                <a:rPr lang="fr-FR" sz="1600" dirty="0">
+                  <a:latin typeface="Poppins" panose="00000500000000000000" pitchFamily="2" charset="0"/>
+                  <a:cs typeface="Poppins" panose="00000500000000000000" pitchFamily="2" charset="0"/>
+                </a:rPr>
+                <a:t>Validation du projet</a:t>
+              </a:r>
+            </a:p>
+          </p:txBody>
+        </p:sp>
+        <p:sp>
+          <p:nvSpPr>
+            <p:cNvPr id="27" name="Flèche : demi-tour 26">
+              <a:extLst>
+                <a:ext uri="{FF2B5EF4-FFF2-40B4-BE49-F238E27FC236}">
+                  <a16:creationId xmlns:a16="http://schemas.microsoft.com/office/drawing/2014/main" id="{2269ADE6-7242-4F3A-B555-50196F80F369}"/>
+                </a:ext>
+              </a:extLst>
+            </p:cNvPr>
+            <p:cNvSpPr/>
+            <p:nvPr/>
+          </p:nvSpPr>
+          <p:spPr>
+            <a:xfrm rot="16200000" flipV="1">
+              <a:off x="6974319" y="1377037"/>
+              <a:ext cx="2643447" cy="2699071"/>
+            </a:xfrm>
+            <a:prstGeom prst="uturnArrow">
+              <a:avLst>
+                <a:gd name="adj1" fmla="val 13237"/>
+                <a:gd name="adj2" fmla="val 12905"/>
+                <a:gd name="adj3" fmla="val 11815"/>
+                <a:gd name="adj4" fmla="val 47486"/>
+                <a:gd name="adj5" fmla="val 100000"/>
+              </a:avLst>
+            </a:prstGeom>
+            <a:solidFill>
+              <a:srgbClr val="007274"/>
+            </a:solidFill>
+            <a:ln>
+              <a:noFill/>
+            </a:ln>
+          </p:spPr>
+          <p:style>
+            <a:lnRef idx="2">
+              <a:schemeClr val="accent1">
+                <a:shade val="50000"/>
+              </a:schemeClr>
+            </a:lnRef>
+            <a:fillRef idx="1">
+              <a:schemeClr val="accent1"/>
+            </a:fillRef>
+            <a:effectRef idx="0">
+              <a:schemeClr val="accent1"/>
+            </a:effectRef>
+            <a:fontRef idx="minor">
+              <a:schemeClr val="lt1"/>
+            </a:fontRef>
+          </p:style>
+          <p:txBody>
+            <a:bodyPr rtlCol="0" anchor="ctr"/>
+            <a:lstStyle/>
+            <a:p>
+              <a:pPr algn="ctr"/>
+              <a:endParaRPr lang="fr-FR">
                 <a:solidFill>
-                  <a:sysClr val="windowText" lastClr="000000"/>
+                  <a:schemeClr val="tx1"/>
                 </a:solidFill>
-                <a:latin typeface="Poppins" panose="00000500000000000000" pitchFamily="2" charset="0"/>
-                <a:cs typeface="Poppins" panose="00000500000000000000" pitchFamily="2" charset="0"/>
-              </a:rPr>
-              <a:t>Idée du projet</a:t>
-            </a:r>
-          </a:p>
-        </p:txBody>
-      </p:sp>
-      <p:sp>
-        <p:nvSpPr>
-          <p:cNvPr id="21" name="Flèche : droite 20">
-            <a:extLst>
-              <a:ext uri="{FF2B5EF4-FFF2-40B4-BE49-F238E27FC236}">
-                <a16:creationId xmlns:a16="http://schemas.microsoft.com/office/drawing/2014/main" id="{9AF35DEB-96EA-45C6-BE09-28C2D2724450}"/>
-              </a:ext>
-            </a:extLst>
-          </p:cNvPr>
-          <p:cNvSpPr/>
-          <p:nvPr/>
-        </p:nvSpPr>
-        <p:spPr>
-          <a:xfrm>
-            <a:off x="4170778" y="3578914"/>
-            <a:ext cx="1808544" cy="469383"/>
-          </a:xfrm>
-          <a:prstGeom prst="rightArrow">
-            <a:avLst>
-              <a:gd name="adj1" fmla="val 50000"/>
-              <a:gd name="adj2" fmla="val 83282"/>
-            </a:avLst>
-          </a:prstGeom>
-          <a:solidFill>
-            <a:srgbClr val="94DCCB"/>
-          </a:solidFill>
-          <a:ln>
+              </a:endParaRPr>
+            </a:p>
+          </p:txBody>
+        </p:sp>
+        <p:sp>
+          <p:nvSpPr>
+            <p:cNvPr id="28" name="Flèche : demi-tour 27">
+              <a:extLst>
+                <a:ext uri="{FF2B5EF4-FFF2-40B4-BE49-F238E27FC236}">
+                  <a16:creationId xmlns:a16="http://schemas.microsoft.com/office/drawing/2014/main" id="{8DE3843C-F94D-4113-96BC-9EC94CF9E322}"/>
+                </a:ext>
+              </a:extLst>
+            </p:cNvPr>
+            <p:cNvSpPr/>
+            <p:nvPr/>
+          </p:nvSpPr>
+          <p:spPr>
+            <a:xfrm rot="16200000" flipH="1">
+              <a:off x="6176991" y="2329662"/>
+              <a:ext cx="1167666" cy="1176328"/>
+            </a:xfrm>
+            <a:custGeom>
+              <a:avLst/>
+              <a:gdLst>
+                <a:gd name="connsiteX0" fmla="*/ 0 w 1282620"/>
+                <a:gd name="connsiteY0" fmla="*/ 1133696 h 1133696"/>
+                <a:gd name="connsiteX1" fmla="*/ 0 w 1282620"/>
+                <a:gd name="connsiteY1" fmla="*/ 342399 h 1133696"/>
+                <a:gd name="connsiteX2" fmla="*/ 342399 w 1282620"/>
+                <a:gd name="connsiteY2" fmla="*/ 0 h 1133696"/>
+                <a:gd name="connsiteX3" fmla="*/ 773568 w 1282620"/>
+                <a:gd name="connsiteY3" fmla="*/ 0 h 1133696"/>
+                <a:gd name="connsiteX4" fmla="*/ 1115967 w 1282620"/>
+                <a:gd name="connsiteY4" fmla="*/ 342399 h 1133696"/>
+                <a:gd name="connsiteX5" fmla="*/ 1115967 w 1282620"/>
+                <a:gd name="connsiteY5" fmla="*/ 625041 h 1133696"/>
+                <a:gd name="connsiteX6" fmla="*/ 1282620 w 1282620"/>
+                <a:gd name="connsiteY6" fmla="*/ 625041 h 1133696"/>
+                <a:gd name="connsiteX7" fmla="*/ 999196 w 1282620"/>
+                <a:gd name="connsiteY7" fmla="*/ 908465 h 1133696"/>
+                <a:gd name="connsiteX8" fmla="*/ 715772 w 1282620"/>
+                <a:gd name="connsiteY8" fmla="*/ 625041 h 1133696"/>
+                <a:gd name="connsiteX9" fmla="*/ 882425 w 1282620"/>
+                <a:gd name="connsiteY9" fmla="*/ 625041 h 1133696"/>
+                <a:gd name="connsiteX10" fmla="*/ 882425 w 1282620"/>
+                <a:gd name="connsiteY10" fmla="*/ 342399 h 1133696"/>
+                <a:gd name="connsiteX11" fmla="*/ 773568 w 1282620"/>
+                <a:gd name="connsiteY11" fmla="*/ 233542 h 1133696"/>
+                <a:gd name="connsiteX12" fmla="*/ 342399 w 1282620"/>
+                <a:gd name="connsiteY12" fmla="*/ 233541 h 1133696"/>
+                <a:gd name="connsiteX13" fmla="*/ 233542 w 1282620"/>
+                <a:gd name="connsiteY13" fmla="*/ 342398 h 1133696"/>
+                <a:gd name="connsiteX14" fmla="*/ 233541 w 1282620"/>
+                <a:gd name="connsiteY14" fmla="*/ 1133696 h 1133696"/>
+                <a:gd name="connsiteX15" fmla="*/ 0 w 1282620"/>
+                <a:gd name="connsiteY15" fmla="*/ 1133696 h 1133696"/>
+                <a:gd name="connsiteX0" fmla="*/ 233541 w 1282620"/>
+                <a:gd name="connsiteY0" fmla="*/ 1133696 h 1133696"/>
+                <a:gd name="connsiteX1" fmla="*/ 0 w 1282620"/>
+                <a:gd name="connsiteY1" fmla="*/ 342399 h 1133696"/>
+                <a:gd name="connsiteX2" fmla="*/ 342399 w 1282620"/>
+                <a:gd name="connsiteY2" fmla="*/ 0 h 1133696"/>
+                <a:gd name="connsiteX3" fmla="*/ 773568 w 1282620"/>
+                <a:gd name="connsiteY3" fmla="*/ 0 h 1133696"/>
+                <a:gd name="connsiteX4" fmla="*/ 1115967 w 1282620"/>
+                <a:gd name="connsiteY4" fmla="*/ 342399 h 1133696"/>
+                <a:gd name="connsiteX5" fmla="*/ 1115967 w 1282620"/>
+                <a:gd name="connsiteY5" fmla="*/ 625041 h 1133696"/>
+                <a:gd name="connsiteX6" fmla="*/ 1282620 w 1282620"/>
+                <a:gd name="connsiteY6" fmla="*/ 625041 h 1133696"/>
+                <a:gd name="connsiteX7" fmla="*/ 999196 w 1282620"/>
+                <a:gd name="connsiteY7" fmla="*/ 908465 h 1133696"/>
+                <a:gd name="connsiteX8" fmla="*/ 715772 w 1282620"/>
+                <a:gd name="connsiteY8" fmla="*/ 625041 h 1133696"/>
+                <a:gd name="connsiteX9" fmla="*/ 882425 w 1282620"/>
+                <a:gd name="connsiteY9" fmla="*/ 625041 h 1133696"/>
+                <a:gd name="connsiteX10" fmla="*/ 882425 w 1282620"/>
+                <a:gd name="connsiteY10" fmla="*/ 342399 h 1133696"/>
+                <a:gd name="connsiteX11" fmla="*/ 773568 w 1282620"/>
+                <a:gd name="connsiteY11" fmla="*/ 233542 h 1133696"/>
+                <a:gd name="connsiteX12" fmla="*/ 342399 w 1282620"/>
+                <a:gd name="connsiteY12" fmla="*/ 233541 h 1133696"/>
+                <a:gd name="connsiteX13" fmla="*/ 233542 w 1282620"/>
+                <a:gd name="connsiteY13" fmla="*/ 342398 h 1133696"/>
+                <a:gd name="connsiteX14" fmla="*/ 233541 w 1282620"/>
+                <a:gd name="connsiteY14" fmla="*/ 1133696 h 1133696"/>
+                <a:gd name="connsiteX0" fmla="*/ 234731 w 1283809"/>
+                <a:gd name="connsiteY0" fmla="*/ 342398 h 908465"/>
+                <a:gd name="connsiteX1" fmla="*/ 1189 w 1283809"/>
+                <a:gd name="connsiteY1" fmla="*/ 342399 h 908465"/>
+                <a:gd name="connsiteX2" fmla="*/ 343588 w 1283809"/>
+                <a:gd name="connsiteY2" fmla="*/ 0 h 908465"/>
+                <a:gd name="connsiteX3" fmla="*/ 774757 w 1283809"/>
+                <a:gd name="connsiteY3" fmla="*/ 0 h 908465"/>
+                <a:gd name="connsiteX4" fmla="*/ 1117156 w 1283809"/>
+                <a:gd name="connsiteY4" fmla="*/ 342399 h 908465"/>
+                <a:gd name="connsiteX5" fmla="*/ 1117156 w 1283809"/>
+                <a:gd name="connsiteY5" fmla="*/ 625041 h 908465"/>
+                <a:gd name="connsiteX6" fmla="*/ 1283809 w 1283809"/>
+                <a:gd name="connsiteY6" fmla="*/ 625041 h 908465"/>
+                <a:gd name="connsiteX7" fmla="*/ 1000385 w 1283809"/>
+                <a:gd name="connsiteY7" fmla="*/ 908465 h 908465"/>
+                <a:gd name="connsiteX8" fmla="*/ 716961 w 1283809"/>
+                <a:gd name="connsiteY8" fmla="*/ 625041 h 908465"/>
+                <a:gd name="connsiteX9" fmla="*/ 883614 w 1283809"/>
+                <a:gd name="connsiteY9" fmla="*/ 625041 h 908465"/>
+                <a:gd name="connsiteX10" fmla="*/ 883614 w 1283809"/>
+                <a:gd name="connsiteY10" fmla="*/ 342399 h 908465"/>
+                <a:gd name="connsiteX11" fmla="*/ 774757 w 1283809"/>
+                <a:gd name="connsiteY11" fmla="*/ 233542 h 908465"/>
+                <a:gd name="connsiteX12" fmla="*/ 343588 w 1283809"/>
+                <a:gd name="connsiteY12" fmla="*/ 233541 h 908465"/>
+                <a:gd name="connsiteX13" fmla="*/ 234731 w 1283809"/>
+                <a:gd name="connsiteY13" fmla="*/ 342398 h 908465"/>
+                <a:gd name="connsiteX0" fmla="*/ 0 w 1049078"/>
+                <a:gd name="connsiteY0" fmla="*/ 342398 h 908465"/>
+                <a:gd name="connsiteX1" fmla="*/ 108857 w 1049078"/>
+                <a:gd name="connsiteY1" fmla="*/ 0 h 908465"/>
+                <a:gd name="connsiteX2" fmla="*/ 540026 w 1049078"/>
+                <a:gd name="connsiteY2" fmla="*/ 0 h 908465"/>
+                <a:gd name="connsiteX3" fmla="*/ 882425 w 1049078"/>
+                <a:gd name="connsiteY3" fmla="*/ 342399 h 908465"/>
+                <a:gd name="connsiteX4" fmla="*/ 882425 w 1049078"/>
+                <a:gd name="connsiteY4" fmla="*/ 625041 h 908465"/>
+                <a:gd name="connsiteX5" fmla="*/ 1049078 w 1049078"/>
+                <a:gd name="connsiteY5" fmla="*/ 625041 h 908465"/>
+                <a:gd name="connsiteX6" fmla="*/ 765654 w 1049078"/>
+                <a:gd name="connsiteY6" fmla="*/ 908465 h 908465"/>
+                <a:gd name="connsiteX7" fmla="*/ 482230 w 1049078"/>
+                <a:gd name="connsiteY7" fmla="*/ 625041 h 908465"/>
+                <a:gd name="connsiteX8" fmla="*/ 648883 w 1049078"/>
+                <a:gd name="connsiteY8" fmla="*/ 625041 h 908465"/>
+                <a:gd name="connsiteX9" fmla="*/ 648883 w 1049078"/>
+                <a:gd name="connsiteY9" fmla="*/ 342399 h 908465"/>
+                <a:gd name="connsiteX10" fmla="*/ 540026 w 1049078"/>
+                <a:gd name="connsiteY10" fmla="*/ 233542 h 908465"/>
+                <a:gd name="connsiteX11" fmla="*/ 108857 w 1049078"/>
+                <a:gd name="connsiteY11" fmla="*/ 233541 h 908465"/>
+                <a:gd name="connsiteX12" fmla="*/ 0 w 1049078"/>
+                <a:gd name="connsiteY12" fmla="*/ 342398 h 908465"/>
+                <a:gd name="connsiteX0" fmla="*/ 53897 w 994118"/>
+                <a:gd name="connsiteY0" fmla="*/ 233541 h 908465"/>
+                <a:gd name="connsiteX1" fmla="*/ 53897 w 994118"/>
+                <a:gd name="connsiteY1" fmla="*/ 0 h 908465"/>
+                <a:gd name="connsiteX2" fmla="*/ 485066 w 994118"/>
+                <a:gd name="connsiteY2" fmla="*/ 0 h 908465"/>
+                <a:gd name="connsiteX3" fmla="*/ 827465 w 994118"/>
+                <a:gd name="connsiteY3" fmla="*/ 342399 h 908465"/>
+                <a:gd name="connsiteX4" fmla="*/ 827465 w 994118"/>
+                <a:gd name="connsiteY4" fmla="*/ 625041 h 908465"/>
+                <a:gd name="connsiteX5" fmla="*/ 994118 w 994118"/>
+                <a:gd name="connsiteY5" fmla="*/ 625041 h 908465"/>
+                <a:gd name="connsiteX6" fmla="*/ 710694 w 994118"/>
+                <a:gd name="connsiteY6" fmla="*/ 908465 h 908465"/>
+                <a:gd name="connsiteX7" fmla="*/ 427270 w 994118"/>
+                <a:gd name="connsiteY7" fmla="*/ 625041 h 908465"/>
+                <a:gd name="connsiteX8" fmla="*/ 593923 w 994118"/>
+                <a:gd name="connsiteY8" fmla="*/ 625041 h 908465"/>
+                <a:gd name="connsiteX9" fmla="*/ 593923 w 994118"/>
+                <a:gd name="connsiteY9" fmla="*/ 342399 h 908465"/>
+                <a:gd name="connsiteX10" fmla="*/ 485066 w 994118"/>
+                <a:gd name="connsiteY10" fmla="*/ 233542 h 908465"/>
+                <a:gd name="connsiteX11" fmla="*/ 53897 w 994118"/>
+                <a:gd name="connsiteY11" fmla="*/ 233541 h 908465"/>
+                <a:gd name="connsiteX0" fmla="*/ 53898 w 994117"/>
+                <a:gd name="connsiteY0" fmla="*/ 233543 h 908465"/>
+                <a:gd name="connsiteX1" fmla="*/ 53896 w 994117"/>
+                <a:gd name="connsiteY1" fmla="*/ 0 h 908465"/>
+                <a:gd name="connsiteX2" fmla="*/ 485065 w 994117"/>
+                <a:gd name="connsiteY2" fmla="*/ 0 h 908465"/>
+                <a:gd name="connsiteX3" fmla="*/ 827464 w 994117"/>
+                <a:gd name="connsiteY3" fmla="*/ 342399 h 908465"/>
+                <a:gd name="connsiteX4" fmla="*/ 827464 w 994117"/>
+                <a:gd name="connsiteY4" fmla="*/ 625041 h 908465"/>
+                <a:gd name="connsiteX5" fmla="*/ 994117 w 994117"/>
+                <a:gd name="connsiteY5" fmla="*/ 625041 h 908465"/>
+                <a:gd name="connsiteX6" fmla="*/ 710693 w 994117"/>
+                <a:gd name="connsiteY6" fmla="*/ 908465 h 908465"/>
+                <a:gd name="connsiteX7" fmla="*/ 427269 w 994117"/>
+                <a:gd name="connsiteY7" fmla="*/ 625041 h 908465"/>
+                <a:gd name="connsiteX8" fmla="*/ 593922 w 994117"/>
+                <a:gd name="connsiteY8" fmla="*/ 625041 h 908465"/>
+                <a:gd name="connsiteX9" fmla="*/ 593922 w 994117"/>
+                <a:gd name="connsiteY9" fmla="*/ 342399 h 908465"/>
+                <a:gd name="connsiteX10" fmla="*/ 485065 w 994117"/>
+                <a:gd name="connsiteY10" fmla="*/ 233542 h 908465"/>
+                <a:gd name="connsiteX11" fmla="*/ 53898 w 994117"/>
+                <a:gd name="connsiteY11" fmla="*/ 233543 h 908465"/>
+                <a:gd name="connsiteX0" fmla="*/ 31521 w 971740"/>
+                <a:gd name="connsiteY0" fmla="*/ 233543 h 908465"/>
+                <a:gd name="connsiteX1" fmla="*/ 31519 w 971740"/>
+                <a:gd name="connsiteY1" fmla="*/ 0 h 908465"/>
+                <a:gd name="connsiteX2" fmla="*/ 462688 w 971740"/>
+                <a:gd name="connsiteY2" fmla="*/ 0 h 908465"/>
+                <a:gd name="connsiteX3" fmla="*/ 805087 w 971740"/>
+                <a:gd name="connsiteY3" fmla="*/ 342399 h 908465"/>
+                <a:gd name="connsiteX4" fmla="*/ 805087 w 971740"/>
+                <a:gd name="connsiteY4" fmla="*/ 625041 h 908465"/>
+                <a:gd name="connsiteX5" fmla="*/ 971740 w 971740"/>
+                <a:gd name="connsiteY5" fmla="*/ 625041 h 908465"/>
+                <a:gd name="connsiteX6" fmla="*/ 688316 w 971740"/>
+                <a:gd name="connsiteY6" fmla="*/ 908465 h 908465"/>
+                <a:gd name="connsiteX7" fmla="*/ 404892 w 971740"/>
+                <a:gd name="connsiteY7" fmla="*/ 625041 h 908465"/>
+                <a:gd name="connsiteX8" fmla="*/ 571545 w 971740"/>
+                <a:gd name="connsiteY8" fmla="*/ 625041 h 908465"/>
+                <a:gd name="connsiteX9" fmla="*/ 571545 w 971740"/>
+                <a:gd name="connsiteY9" fmla="*/ 342399 h 908465"/>
+                <a:gd name="connsiteX10" fmla="*/ 462688 w 971740"/>
+                <a:gd name="connsiteY10" fmla="*/ 233542 h 908465"/>
+                <a:gd name="connsiteX11" fmla="*/ 31521 w 971740"/>
+                <a:gd name="connsiteY11" fmla="*/ 233543 h 908465"/>
+                <a:gd name="connsiteX0" fmla="*/ 1770 w 941989"/>
+                <a:gd name="connsiteY0" fmla="*/ 234533 h 909455"/>
+                <a:gd name="connsiteX1" fmla="*/ 1768 w 941989"/>
+                <a:gd name="connsiteY1" fmla="*/ 990 h 909455"/>
+                <a:gd name="connsiteX2" fmla="*/ 432937 w 941989"/>
+                <a:gd name="connsiteY2" fmla="*/ 990 h 909455"/>
+                <a:gd name="connsiteX3" fmla="*/ 775336 w 941989"/>
+                <a:gd name="connsiteY3" fmla="*/ 343389 h 909455"/>
+                <a:gd name="connsiteX4" fmla="*/ 775336 w 941989"/>
+                <a:gd name="connsiteY4" fmla="*/ 626031 h 909455"/>
+                <a:gd name="connsiteX5" fmla="*/ 941989 w 941989"/>
+                <a:gd name="connsiteY5" fmla="*/ 626031 h 909455"/>
+                <a:gd name="connsiteX6" fmla="*/ 658565 w 941989"/>
+                <a:gd name="connsiteY6" fmla="*/ 909455 h 909455"/>
+                <a:gd name="connsiteX7" fmla="*/ 375141 w 941989"/>
+                <a:gd name="connsiteY7" fmla="*/ 626031 h 909455"/>
+                <a:gd name="connsiteX8" fmla="*/ 541794 w 941989"/>
+                <a:gd name="connsiteY8" fmla="*/ 626031 h 909455"/>
+                <a:gd name="connsiteX9" fmla="*/ 541794 w 941989"/>
+                <a:gd name="connsiteY9" fmla="*/ 343389 h 909455"/>
+                <a:gd name="connsiteX10" fmla="*/ 432937 w 941989"/>
+                <a:gd name="connsiteY10" fmla="*/ 234532 h 909455"/>
+                <a:gd name="connsiteX11" fmla="*/ 1770 w 941989"/>
+                <a:gd name="connsiteY11" fmla="*/ 234533 h 909455"/>
+                <a:gd name="connsiteX0" fmla="*/ 1770 w 941989"/>
+                <a:gd name="connsiteY0" fmla="*/ 234533 h 909455"/>
+                <a:gd name="connsiteX1" fmla="*/ 1768 w 941989"/>
+                <a:gd name="connsiteY1" fmla="*/ 990 h 909455"/>
+                <a:gd name="connsiteX2" fmla="*/ 432937 w 941989"/>
+                <a:gd name="connsiteY2" fmla="*/ 990 h 909455"/>
+                <a:gd name="connsiteX3" fmla="*/ 775336 w 941989"/>
+                <a:gd name="connsiteY3" fmla="*/ 343389 h 909455"/>
+                <a:gd name="connsiteX4" fmla="*/ 775336 w 941989"/>
+                <a:gd name="connsiteY4" fmla="*/ 626031 h 909455"/>
+                <a:gd name="connsiteX5" fmla="*/ 941989 w 941989"/>
+                <a:gd name="connsiteY5" fmla="*/ 626031 h 909455"/>
+                <a:gd name="connsiteX6" fmla="*/ 658565 w 941989"/>
+                <a:gd name="connsiteY6" fmla="*/ 909455 h 909455"/>
+                <a:gd name="connsiteX7" fmla="*/ 375141 w 941989"/>
+                <a:gd name="connsiteY7" fmla="*/ 626031 h 909455"/>
+                <a:gd name="connsiteX8" fmla="*/ 541794 w 941989"/>
+                <a:gd name="connsiteY8" fmla="*/ 626031 h 909455"/>
+                <a:gd name="connsiteX9" fmla="*/ 541794 w 941989"/>
+                <a:gd name="connsiteY9" fmla="*/ 343389 h 909455"/>
+                <a:gd name="connsiteX10" fmla="*/ 432937 w 941989"/>
+                <a:gd name="connsiteY10" fmla="*/ 234532 h 909455"/>
+                <a:gd name="connsiteX11" fmla="*/ 1770 w 941989"/>
+                <a:gd name="connsiteY11" fmla="*/ 234533 h 909455"/>
+              </a:gdLst>
+              <a:ahLst/>
+              <a:cxnLst>
+                <a:cxn ang="0">
+                  <a:pos x="connsiteX0" y="connsiteY0"/>
+                </a:cxn>
+                <a:cxn ang="0">
+                  <a:pos x="connsiteX1" y="connsiteY1"/>
+                </a:cxn>
+                <a:cxn ang="0">
+                  <a:pos x="connsiteX2" y="connsiteY2"/>
+                </a:cxn>
+                <a:cxn ang="0">
+                  <a:pos x="connsiteX3" y="connsiteY3"/>
+                </a:cxn>
+                <a:cxn ang="0">
+                  <a:pos x="connsiteX4" y="connsiteY4"/>
+                </a:cxn>
+                <a:cxn ang="0">
+                  <a:pos x="connsiteX5" y="connsiteY5"/>
+                </a:cxn>
+                <a:cxn ang="0">
+                  <a:pos x="connsiteX6" y="connsiteY6"/>
+                </a:cxn>
+                <a:cxn ang="0">
+                  <a:pos x="connsiteX7" y="connsiteY7"/>
+                </a:cxn>
+                <a:cxn ang="0">
+                  <a:pos x="connsiteX8" y="connsiteY8"/>
+                </a:cxn>
+                <a:cxn ang="0">
+                  <a:pos x="connsiteX9" y="connsiteY9"/>
+                </a:cxn>
+                <a:cxn ang="0">
+                  <a:pos x="connsiteX10" y="connsiteY10"/>
+                </a:cxn>
+                <a:cxn ang="0">
+                  <a:pos x="connsiteX11" y="connsiteY11"/>
+                </a:cxn>
+              </a:cxnLst>
+              <a:rect l="l" t="t" r="r" b="b"/>
+              <a:pathLst>
+                <a:path w="941989" h="909455">
+                  <a:moveTo>
+                    <a:pt x="1770" y="234533"/>
+                  </a:moveTo>
+                  <a:cubicBezTo>
+                    <a:pt x="3675" y="240596"/>
+                    <a:pt x="-3032" y="-17928"/>
+                    <a:pt x="1768" y="990"/>
+                  </a:cubicBezTo>
+                  <a:lnTo>
+                    <a:pt x="432937" y="990"/>
+                  </a:lnTo>
+                  <a:cubicBezTo>
+                    <a:pt x="622039" y="990"/>
+                    <a:pt x="775336" y="154287"/>
+                    <a:pt x="775336" y="343389"/>
+                  </a:cubicBezTo>
+                  <a:lnTo>
+                    <a:pt x="775336" y="626031"/>
+                  </a:lnTo>
+                  <a:lnTo>
+                    <a:pt x="941989" y="626031"/>
+                  </a:lnTo>
+                  <a:lnTo>
+                    <a:pt x="658565" y="909455"/>
+                  </a:lnTo>
+                  <a:lnTo>
+                    <a:pt x="375141" y="626031"/>
+                  </a:lnTo>
+                  <a:lnTo>
+                    <a:pt x="541794" y="626031"/>
+                  </a:lnTo>
+                  <a:lnTo>
+                    <a:pt x="541794" y="343389"/>
+                  </a:lnTo>
+                  <a:cubicBezTo>
+                    <a:pt x="541794" y="283269"/>
+                    <a:pt x="493057" y="234532"/>
+                    <a:pt x="432937" y="234532"/>
+                  </a:cubicBezTo>
+                  <a:lnTo>
+                    <a:pt x="1770" y="234533"/>
+                  </a:lnTo>
+                  <a:close/>
+                </a:path>
+              </a:pathLst>
+            </a:custGeom>
+            <a:solidFill>
+              <a:srgbClr val="007274"/>
+            </a:solidFill>
+            <a:ln>
+              <a:noFill/>
+            </a:ln>
+          </p:spPr>
+          <p:style>
+            <a:lnRef idx="2">
+              <a:schemeClr val="accent1">
+                <a:shade val="50000"/>
+              </a:schemeClr>
+            </a:lnRef>
+            <a:fillRef idx="1">
+              <a:schemeClr val="accent1"/>
+            </a:fillRef>
+            <a:effectRef idx="0">
+              <a:schemeClr val="accent1"/>
+            </a:effectRef>
+            <a:fontRef idx="minor">
+              <a:schemeClr val="lt1"/>
+            </a:fontRef>
+          </p:style>
+          <p:txBody>
+            <a:bodyPr rtlCol="0" anchor="ctr"/>
+            <a:lstStyle/>
+            <a:p>
+              <a:pPr algn="ctr"/>
+              <a:endParaRPr lang="fr-FR">
+                <a:solidFill>
+                  <a:schemeClr val="tx1"/>
+                </a:solidFill>
+              </a:endParaRPr>
+            </a:p>
+          </p:txBody>
+        </p:sp>
+        <p:sp>
+          <p:nvSpPr>
+            <p:cNvPr id="29" name="ZoneTexte 28">
+              <a:extLst>
+                <a:ext uri="{FF2B5EF4-FFF2-40B4-BE49-F238E27FC236}">
+                  <a16:creationId xmlns:a16="http://schemas.microsoft.com/office/drawing/2014/main" id="{88C75F6D-D849-4796-8C82-C62D724CA24C}"/>
+                </a:ext>
+              </a:extLst>
+            </p:cNvPr>
+            <p:cNvSpPr txBox="1"/>
+            <p:nvPr/>
+          </p:nvSpPr>
+          <p:spPr>
+            <a:xfrm>
+              <a:off x="7467526" y="2148932"/>
+              <a:ext cx="1310618" cy="584775"/>
+            </a:xfrm>
+            <a:prstGeom prst="rect">
+              <a:avLst/>
+            </a:prstGeom>
             <a:noFill/>
-          </a:ln>
-        </p:spPr>
-        <p:style>
-          <a:lnRef idx="2">
-            <a:schemeClr val="accent1">
-              <a:shade val="50000"/>
-            </a:schemeClr>
-          </a:lnRef>
-          <a:fillRef idx="1">
-            <a:schemeClr val="accent1"/>
-          </a:fillRef>
-          <a:effectRef idx="0">
-            <a:schemeClr val="accent1"/>
-          </a:effectRef>
-          <a:fontRef idx="minor">
-            <a:schemeClr val="lt1"/>
-          </a:fontRef>
-        </p:style>
-        <p:txBody>
-          <a:bodyPr rtlCol="0" anchor="ctr"/>
-          <a:lstStyle/>
-          <a:p>
-            <a:pPr algn="ctr"/>
-            <a:r>
-              <a:rPr lang="fr-FR" sz="1600" dirty="0">
-                <a:solidFill>
-                  <a:sysClr val="windowText" lastClr="000000"/>
-                </a:solidFill>
-                <a:latin typeface="Poppins" panose="00000500000000000000" pitchFamily="2" charset="0"/>
-                <a:cs typeface="Poppins" panose="00000500000000000000" pitchFamily="2" charset="0"/>
-              </a:rPr>
-              <a:t>Planification</a:t>
-            </a:r>
-          </a:p>
-        </p:txBody>
-      </p:sp>
-      <p:pic>
-        <p:nvPicPr>
-          <p:cNvPr id="25" name="Graphique 24" descr="Utilisateurs contour">
-            <a:extLst>
-              <a:ext uri="{FF2B5EF4-FFF2-40B4-BE49-F238E27FC236}">
-                <a16:creationId xmlns:a16="http://schemas.microsoft.com/office/drawing/2014/main" id="{870E6D5C-1202-43E6-9441-5F554DD854D4}"/>
-              </a:ext>
-            </a:extLst>
-          </p:cNvPr>
-          <p:cNvPicPr>
-            <a:picLocks noChangeAspect="1"/>
-          </p:cNvPicPr>
-          <p:nvPr/>
-        </p:nvPicPr>
-        <p:blipFill>
-          <a:blip r:embed="rId12">
-            <a:extLst>
-              <a:ext uri="{28A0092B-C50C-407E-A947-70E740481C1C}">
-                <a14:useLocalDpi xmlns:a14="http://schemas.microsoft.com/office/drawing/2010/main" val="0"/>
-              </a:ext>
-              <a:ext uri="{96DAC541-7B7A-43D3-8B79-37D633B846F1}">
-                <asvg:svgBlip xmlns:asvg="http://schemas.microsoft.com/office/drawing/2016/SVG/main" r:embed="rId13"/>
-              </a:ext>
-            </a:extLst>
-          </a:blip>
-          <a:stretch>
-            <a:fillRect/>
-          </a:stretch>
-        </p:blipFill>
-        <p:spPr>
-          <a:xfrm>
-            <a:off x="1732848" y="2705792"/>
-            <a:ext cx="914400" cy="914400"/>
-          </a:xfrm>
-          <a:prstGeom prst="rect">
-            <a:avLst/>
-          </a:prstGeom>
-        </p:spPr>
-      </p:pic>
-      <p:sp>
-        <p:nvSpPr>
-          <p:cNvPr id="26" name="ZoneTexte 25">
-            <a:extLst>
-              <a:ext uri="{FF2B5EF4-FFF2-40B4-BE49-F238E27FC236}">
-                <a16:creationId xmlns:a16="http://schemas.microsoft.com/office/drawing/2014/main" id="{9D81606B-5B97-4CA0-A409-8C8716E2AF53}"/>
-              </a:ext>
-            </a:extLst>
-          </p:cNvPr>
-          <p:cNvSpPr txBox="1"/>
-          <p:nvPr/>
-        </p:nvSpPr>
-        <p:spPr>
-          <a:xfrm>
-            <a:off x="2927873" y="4270805"/>
-            <a:ext cx="1463040" cy="584775"/>
-          </a:xfrm>
-          <a:prstGeom prst="rect">
-            <a:avLst/>
-          </a:prstGeom>
-          <a:noFill/>
-        </p:spPr>
-        <p:txBody>
-          <a:bodyPr wrap="square" rtlCol="0">
-            <a:spAutoFit/>
-          </a:bodyPr>
-          <a:lstStyle/>
-          <a:p>
-            <a:pPr algn="ctr"/>
-            <a:r>
-              <a:rPr lang="fr-FR" sz="1600" dirty="0">
-                <a:latin typeface="Poppins" panose="00000500000000000000" pitchFamily="2" charset="0"/>
-                <a:cs typeface="Poppins" panose="00000500000000000000" pitchFamily="2" charset="0"/>
-              </a:rPr>
-              <a:t>Validation du projet</a:t>
-            </a:r>
-          </a:p>
-        </p:txBody>
-      </p:sp>
-      <p:sp>
-        <p:nvSpPr>
-          <p:cNvPr id="27" name="Flèche : demi-tour 26">
-            <a:extLst>
-              <a:ext uri="{FF2B5EF4-FFF2-40B4-BE49-F238E27FC236}">
-                <a16:creationId xmlns:a16="http://schemas.microsoft.com/office/drawing/2014/main" id="{2269ADE6-7242-4F3A-B555-50196F80F369}"/>
-              </a:ext>
-            </a:extLst>
-          </p:cNvPr>
-          <p:cNvSpPr/>
-          <p:nvPr/>
-        </p:nvSpPr>
-        <p:spPr>
-          <a:xfrm rot="16200000" flipV="1">
-            <a:off x="6974319" y="1377037"/>
-            <a:ext cx="2643447" cy="2699071"/>
-          </a:xfrm>
-          <a:prstGeom prst="uturnArrow">
-            <a:avLst>
-              <a:gd name="adj1" fmla="val 13237"/>
-              <a:gd name="adj2" fmla="val 12905"/>
-              <a:gd name="adj3" fmla="val 11815"/>
-              <a:gd name="adj4" fmla="val 47486"/>
-              <a:gd name="adj5" fmla="val 100000"/>
-            </a:avLst>
-          </a:prstGeom>
-          <a:solidFill>
-            <a:srgbClr val="007274"/>
-          </a:solidFill>
-          <a:ln>
+          </p:spPr>
+          <p:txBody>
+            <a:bodyPr wrap="square" rtlCol="0">
+              <a:spAutoFit/>
+            </a:bodyPr>
+            <a:lstStyle/>
+            <a:p>
+              <a:pPr algn="ctr"/>
+              <a:r>
+                <a:rPr lang="fr-FR" sz="1600" dirty="0">
+                  <a:latin typeface="Poppins" panose="00000500000000000000" pitchFamily="2" charset="0"/>
+                  <a:cs typeface="Poppins" panose="00000500000000000000" pitchFamily="2" charset="0"/>
+                </a:rPr>
+                <a:t>Sprint </a:t>
+              </a:r>
+            </a:p>
+            <a:p>
+              <a:pPr algn="ctr"/>
+              <a:r>
+                <a:rPr lang="fr-FR" sz="1600" dirty="0">
+                  <a:latin typeface="Poppins" panose="00000500000000000000" pitchFamily="2" charset="0"/>
+                  <a:cs typeface="Poppins" panose="00000500000000000000" pitchFamily="2" charset="0"/>
+                </a:rPr>
+                <a:t>1 semaine</a:t>
+              </a:r>
+            </a:p>
+          </p:txBody>
+        </p:sp>
+        <p:sp>
+          <p:nvSpPr>
+            <p:cNvPr id="30" name="Flèche : droite 29">
+              <a:extLst>
+                <a:ext uri="{FF2B5EF4-FFF2-40B4-BE49-F238E27FC236}">
+                  <a16:creationId xmlns:a16="http://schemas.microsoft.com/office/drawing/2014/main" id="{140A1140-01FA-45C6-BCE5-F0E169EEE87C}"/>
+                </a:ext>
+              </a:extLst>
+            </p:cNvPr>
+            <p:cNvSpPr/>
+            <p:nvPr/>
+          </p:nvSpPr>
+          <p:spPr>
+            <a:xfrm>
+              <a:off x="9374308" y="3578914"/>
+              <a:ext cx="1391210" cy="469383"/>
+            </a:xfrm>
+            <a:prstGeom prst="rightArrow">
+              <a:avLst>
+                <a:gd name="adj1" fmla="val 50000"/>
+                <a:gd name="adj2" fmla="val 83282"/>
+              </a:avLst>
+            </a:prstGeom>
+            <a:solidFill>
+              <a:srgbClr val="94DCCB"/>
+            </a:solidFill>
+            <a:ln>
+              <a:noFill/>
+            </a:ln>
+          </p:spPr>
+          <p:style>
+            <a:lnRef idx="2">
+              <a:schemeClr val="accent1">
+                <a:shade val="50000"/>
+              </a:schemeClr>
+            </a:lnRef>
+            <a:fillRef idx="1">
+              <a:schemeClr val="accent1"/>
+            </a:fillRef>
+            <a:effectRef idx="0">
+              <a:schemeClr val="accent1"/>
+            </a:effectRef>
+            <a:fontRef idx="minor">
+              <a:schemeClr val="lt1"/>
+            </a:fontRef>
+          </p:style>
+          <p:txBody>
+            <a:bodyPr rtlCol="0" anchor="ctr"/>
+            <a:lstStyle/>
+            <a:p>
+              <a:pPr algn="ctr"/>
+              <a:r>
+                <a:rPr lang="fr-FR" sz="1600" dirty="0">
+                  <a:solidFill>
+                    <a:sysClr val="windowText" lastClr="000000"/>
+                  </a:solidFill>
+                  <a:latin typeface="Poppins" panose="00000500000000000000" pitchFamily="2" charset="0"/>
+                  <a:cs typeface="Poppins" panose="00000500000000000000" pitchFamily="2" charset="0"/>
+                </a:rPr>
+                <a:t>Livraison</a:t>
+              </a:r>
+            </a:p>
+          </p:txBody>
+        </p:sp>
+        <p:pic>
+          <p:nvPicPr>
+            <p:cNvPr id="31" name="Graphique 30" descr="Présentation avec liste de vérification contour">
+              <a:extLst>
+                <a:ext uri="{FF2B5EF4-FFF2-40B4-BE49-F238E27FC236}">
+                  <a16:creationId xmlns:a16="http://schemas.microsoft.com/office/drawing/2014/main" id="{ABFC3C9C-3A46-4701-97B0-1E5882711E15}"/>
+                </a:ext>
+              </a:extLst>
+            </p:cNvPr>
+            <p:cNvPicPr>
+              <a:picLocks noChangeAspect="1"/>
+            </p:cNvPicPr>
+            <p:nvPr/>
+          </p:nvPicPr>
+          <p:blipFill>
+            <a:blip r:embed="rId10">
+              <a:extLst>
+                <a:ext uri="{28A0092B-C50C-407E-A947-70E740481C1C}">
+                  <a14:useLocalDpi xmlns:a14="http://schemas.microsoft.com/office/drawing/2010/main" val="0"/>
+                </a:ext>
+                <a:ext uri="{96DAC541-7B7A-43D3-8B79-37D633B846F1}">
+                  <asvg:svgBlip xmlns:asvg="http://schemas.microsoft.com/office/drawing/2016/SVG/main" r:embed="rId11"/>
+                </a:ext>
+              </a:extLst>
+            </a:blip>
+            <a:stretch>
+              <a:fillRect/>
+            </a:stretch>
+          </p:blipFill>
+          <p:spPr>
+            <a:xfrm>
+              <a:off x="10765518" y="3309037"/>
+              <a:ext cx="914400" cy="914400"/>
+            </a:xfrm>
+            <a:prstGeom prst="rect">
+              <a:avLst/>
+            </a:prstGeom>
+          </p:spPr>
+        </p:pic>
+        <p:sp>
+          <p:nvSpPr>
+            <p:cNvPr id="32" name="ZoneTexte 31">
+              <a:extLst>
+                <a:ext uri="{FF2B5EF4-FFF2-40B4-BE49-F238E27FC236}">
+                  <a16:creationId xmlns:a16="http://schemas.microsoft.com/office/drawing/2014/main" id="{542906CD-C9E6-47DD-80FB-29623094C074}"/>
+                </a:ext>
+              </a:extLst>
+            </p:cNvPr>
+            <p:cNvSpPr txBox="1"/>
+            <p:nvPr/>
+          </p:nvSpPr>
+          <p:spPr>
+            <a:xfrm>
+              <a:off x="10465965" y="4218172"/>
+              <a:ext cx="1513506" cy="584775"/>
+            </a:xfrm>
+            <a:prstGeom prst="rect">
+              <a:avLst/>
+            </a:prstGeom>
             <a:noFill/>
-          </a:ln>
-        </p:spPr>
-        <p:style>
-          <a:lnRef idx="2">
-            <a:schemeClr val="accent1">
-              <a:shade val="50000"/>
-            </a:schemeClr>
-          </a:lnRef>
-          <a:fillRef idx="1">
-            <a:schemeClr val="accent1"/>
-          </a:fillRef>
-          <a:effectRef idx="0">
-            <a:schemeClr val="accent1"/>
-          </a:effectRef>
-          <a:fontRef idx="minor">
-            <a:schemeClr val="lt1"/>
-          </a:fontRef>
-        </p:style>
-        <p:txBody>
-          <a:bodyPr rtlCol="0" anchor="ctr"/>
-          <a:lstStyle/>
-          <a:p>
-            <a:pPr algn="ctr"/>
-            <a:endParaRPr lang="fr-FR">
-              <a:solidFill>
-                <a:schemeClr val="tx1"/>
-              </a:solidFill>
-            </a:endParaRPr>
-          </a:p>
-        </p:txBody>
-      </p:sp>
-      <p:sp>
-        <p:nvSpPr>
-          <p:cNvPr id="28" name="Flèche : demi-tour 27">
-            <a:extLst>
-              <a:ext uri="{FF2B5EF4-FFF2-40B4-BE49-F238E27FC236}">
-                <a16:creationId xmlns:a16="http://schemas.microsoft.com/office/drawing/2014/main" id="{8DE3843C-F94D-4113-96BC-9EC94CF9E322}"/>
-              </a:ext>
-            </a:extLst>
-          </p:cNvPr>
-          <p:cNvSpPr/>
-          <p:nvPr/>
-        </p:nvSpPr>
-        <p:spPr>
-          <a:xfrm rot="16200000" flipH="1">
-            <a:off x="6176991" y="2329662"/>
-            <a:ext cx="1167666" cy="1176328"/>
-          </a:xfrm>
-          <a:custGeom>
-            <a:avLst/>
-            <a:gdLst>
-              <a:gd name="connsiteX0" fmla="*/ 0 w 1282620"/>
-              <a:gd name="connsiteY0" fmla="*/ 1133696 h 1133696"/>
-              <a:gd name="connsiteX1" fmla="*/ 0 w 1282620"/>
-              <a:gd name="connsiteY1" fmla="*/ 342399 h 1133696"/>
-              <a:gd name="connsiteX2" fmla="*/ 342399 w 1282620"/>
-              <a:gd name="connsiteY2" fmla="*/ 0 h 1133696"/>
-              <a:gd name="connsiteX3" fmla="*/ 773568 w 1282620"/>
-              <a:gd name="connsiteY3" fmla="*/ 0 h 1133696"/>
-              <a:gd name="connsiteX4" fmla="*/ 1115967 w 1282620"/>
-              <a:gd name="connsiteY4" fmla="*/ 342399 h 1133696"/>
-              <a:gd name="connsiteX5" fmla="*/ 1115967 w 1282620"/>
-              <a:gd name="connsiteY5" fmla="*/ 625041 h 1133696"/>
-              <a:gd name="connsiteX6" fmla="*/ 1282620 w 1282620"/>
-              <a:gd name="connsiteY6" fmla="*/ 625041 h 1133696"/>
-              <a:gd name="connsiteX7" fmla="*/ 999196 w 1282620"/>
-              <a:gd name="connsiteY7" fmla="*/ 908465 h 1133696"/>
-              <a:gd name="connsiteX8" fmla="*/ 715772 w 1282620"/>
-              <a:gd name="connsiteY8" fmla="*/ 625041 h 1133696"/>
-              <a:gd name="connsiteX9" fmla="*/ 882425 w 1282620"/>
-              <a:gd name="connsiteY9" fmla="*/ 625041 h 1133696"/>
-              <a:gd name="connsiteX10" fmla="*/ 882425 w 1282620"/>
-              <a:gd name="connsiteY10" fmla="*/ 342399 h 1133696"/>
-              <a:gd name="connsiteX11" fmla="*/ 773568 w 1282620"/>
-              <a:gd name="connsiteY11" fmla="*/ 233542 h 1133696"/>
-              <a:gd name="connsiteX12" fmla="*/ 342399 w 1282620"/>
-              <a:gd name="connsiteY12" fmla="*/ 233541 h 1133696"/>
-              <a:gd name="connsiteX13" fmla="*/ 233542 w 1282620"/>
-              <a:gd name="connsiteY13" fmla="*/ 342398 h 1133696"/>
-              <a:gd name="connsiteX14" fmla="*/ 233541 w 1282620"/>
-              <a:gd name="connsiteY14" fmla="*/ 1133696 h 1133696"/>
-              <a:gd name="connsiteX15" fmla="*/ 0 w 1282620"/>
-              <a:gd name="connsiteY15" fmla="*/ 1133696 h 1133696"/>
-              <a:gd name="connsiteX0" fmla="*/ 233541 w 1282620"/>
-              <a:gd name="connsiteY0" fmla="*/ 1133696 h 1133696"/>
-              <a:gd name="connsiteX1" fmla="*/ 0 w 1282620"/>
-              <a:gd name="connsiteY1" fmla="*/ 342399 h 1133696"/>
-              <a:gd name="connsiteX2" fmla="*/ 342399 w 1282620"/>
-              <a:gd name="connsiteY2" fmla="*/ 0 h 1133696"/>
-              <a:gd name="connsiteX3" fmla="*/ 773568 w 1282620"/>
-              <a:gd name="connsiteY3" fmla="*/ 0 h 1133696"/>
-              <a:gd name="connsiteX4" fmla="*/ 1115967 w 1282620"/>
-              <a:gd name="connsiteY4" fmla="*/ 342399 h 1133696"/>
-              <a:gd name="connsiteX5" fmla="*/ 1115967 w 1282620"/>
-              <a:gd name="connsiteY5" fmla="*/ 625041 h 1133696"/>
-              <a:gd name="connsiteX6" fmla="*/ 1282620 w 1282620"/>
-              <a:gd name="connsiteY6" fmla="*/ 625041 h 1133696"/>
-              <a:gd name="connsiteX7" fmla="*/ 999196 w 1282620"/>
-              <a:gd name="connsiteY7" fmla="*/ 908465 h 1133696"/>
-              <a:gd name="connsiteX8" fmla="*/ 715772 w 1282620"/>
-              <a:gd name="connsiteY8" fmla="*/ 625041 h 1133696"/>
-              <a:gd name="connsiteX9" fmla="*/ 882425 w 1282620"/>
-              <a:gd name="connsiteY9" fmla="*/ 625041 h 1133696"/>
-              <a:gd name="connsiteX10" fmla="*/ 882425 w 1282620"/>
-              <a:gd name="connsiteY10" fmla="*/ 342399 h 1133696"/>
-              <a:gd name="connsiteX11" fmla="*/ 773568 w 1282620"/>
-              <a:gd name="connsiteY11" fmla="*/ 233542 h 1133696"/>
-              <a:gd name="connsiteX12" fmla="*/ 342399 w 1282620"/>
-              <a:gd name="connsiteY12" fmla="*/ 233541 h 1133696"/>
-              <a:gd name="connsiteX13" fmla="*/ 233542 w 1282620"/>
-              <a:gd name="connsiteY13" fmla="*/ 342398 h 1133696"/>
-              <a:gd name="connsiteX14" fmla="*/ 233541 w 1282620"/>
-              <a:gd name="connsiteY14" fmla="*/ 1133696 h 1133696"/>
-              <a:gd name="connsiteX0" fmla="*/ 234731 w 1283809"/>
-              <a:gd name="connsiteY0" fmla="*/ 342398 h 908465"/>
-              <a:gd name="connsiteX1" fmla="*/ 1189 w 1283809"/>
-              <a:gd name="connsiteY1" fmla="*/ 342399 h 908465"/>
-              <a:gd name="connsiteX2" fmla="*/ 343588 w 1283809"/>
-              <a:gd name="connsiteY2" fmla="*/ 0 h 908465"/>
-              <a:gd name="connsiteX3" fmla="*/ 774757 w 1283809"/>
-              <a:gd name="connsiteY3" fmla="*/ 0 h 908465"/>
-              <a:gd name="connsiteX4" fmla="*/ 1117156 w 1283809"/>
-              <a:gd name="connsiteY4" fmla="*/ 342399 h 908465"/>
-              <a:gd name="connsiteX5" fmla="*/ 1117156 w 1283809"/>
-              <a:gd name="connsiteY5" fmla="*/ 625041 h 908465"/>
-              <a:gd name="connsiteX6" fmla="*/ 1283809 w 1283809"/>
-              <a:gd name="connsiteY6" fmla="*/ 625041 h 908465"/>
-              <a:gd name="connsiteX7" fmla="*/ 1000385 w 1283809"/>
-              <a:gd name="connsiteY7" fmla="*/ 908465 h 908465"/>
-              <a:gd name="connsiteX8" fmla="*/ 716961 w 1283809"/>
-              <a:gd name="connsiteY8" fmla="*/ 625041 h 908465"/>
-              <a:gd name="connsiteX9" fmla="*/ 883614 w 1283809"/>
-              <a:gd name="connsiteY9" fmla="*/ 625041 h 908465"/>
-              <a:gd name="connsiteX10" fmla="*/ 883614 w 1283809"/>
-              <a:gd name="connsiteY10" fmla="*/ 342399 h 908465"/>
-              <a:gd name="connsiteX11" fmla="*/ 774757 w 1283809"/>
-              <a:gd name="connsiteY11" fmla="*/ 233542 h 908465"/>
-              <a:gd name="connsiteX12" fmla="*/ 343588 w 1283809"/>
-              <a:gd name="connsiteY12" fmla="*/ 233541 h 908465"/>
-              <a:gd name="connsiteX13" fmla="*/ 234731 w 1283809"/>
-              <a:gd name="connsiteY13" fmla="*/ 342398 h 908465"/>
-              <a:gd name="connsiteX0" fmla="*/ 0 w 1049078"/>
-              <a:gd name="connsiteY0" fmla="*/ 342398 h 908465"/>
-              <a:gd name="connsiteX1" fmla="*/ 108857 w 1049078"/>
-              <a:gd name="connsiteY1" fmla="*/ 0 h 908465"/>
-              <a:gd name="connsiteX2" fmla="*/ 540026 w 1049078"/>
-              <a:gd name="connsiteY2" fmla="*/ 0 h 908465"/>
-              <a:gd name="connsiteX3" fmla="*/ 882425 w 1049078"/>
-              <a:gd name="connsiteY3" fmla="*/ 342399 h 908465"/>
-              <a:gd name="connsiteX4" fmla="*/ 882425 w 1049078"/>
-              <a:gd name="connsiteY4" fmla="*/ 625041 h 908465"/>
-              <a:gd name="connsiteX5" fmla="*/ 1049078 w 1049078"/>
-              <a:gd name="connsiteY5" fmla="*/ 625041 h 908465"/>
-              <a:gd name="connsiteX6" fmla="*/ 765654 w 1049078"/>
-              <a:gd name="connsiteY6" fmla="*/ 908465 h 908465"/>
-              <a:gd name="connsiteX7" fmla="*/ 482230 w 1049078"/>
-              <a:gd name="connsiteY7" fmla="*/ 625041 h 908465"/>
-              <a:gd name="connsiteX8" fmla="*/ 648883 w 1049078"/>
-              <a:gd name="connsiteY8" fmla="*/ 625041 h 908465"/>
-              <a:gd name="connsiteX9" fmla="*/ 648883 w 1049078"/>
-              <a:gd name="connsiteY9" fmla="*/ 342399 h 908465"/>
-              <a:gd name="connsiteX10" fmla="*/ 540026 w 1049078"/>
-              <a:gd name="connsiteY10" fmla="*/ 233542 h 908465"/>
-              <a:gd name="connsiteX11" fmla="*/ 108857 w 1049078"/>
-              <a:gd name="connsiteY11" fmla="*/ 233541 h 908465"/>
-              <a:gd name="connsiteX12" fmla="*/ 0 w 1049078"/>
-              <a:gd name="connsiteY12" fmla="*/ 342398 h 908465"/>
-              <a:gd name="connsiteX0" fmla="*/ 53897 w 994118"/>
-              <a:gd name="connsiteY0" fmla="*/ 233541 h 908465"/>
-              <a:gd name="connsiteX1" fmla="*/ 53897 w 994118"/>
-              <a:gd name="connsiteY1" fmla="*/ 0 h 908465"/>
-              <a:gd name="connsiteX2" fmla="*/ 485066 w 994118"/>
-              <a:gd name="connsiteY2" fmla="*/ 0 h 908465"/>
-              <a:gd name="connsiteX3" fmla="*/ 827465 w 994118"/>
-              <a:gd name="connsiteY3" fmla="*/ 342399 h 908465"/>
-              <a:gd name="connsiteX4" fmla="*/ 827465 w 994118"/>
-              <a:gd name="connsiteY4" fmla="*/ 625041 h 908465"/>
-              <a:gd name="connsiteX5" fmla="*/ 994118 w 994118"/>
-              <a:gd name="connsiteY5" fmla="*/ 625041 h 908465"/>
-              <a:gd name="connsiteX6" fmla="*/ 710694 w 994118"/>
-              <a:gd name="connsiteY6" fmla="*/ 908465 h 908465"/>
-              <a:gd name="connsiteX7" fmla="*/ 427270 w 994118"/>
-              <a:gd name="connsiteY7" fmla="*/ 625041 h 908465"/>
-              <a:gd name="connsiteX8" fmla="*/ 593923 w 994118"/>
-              <a:gd name="connsiteY8" fmla="*/ 625041 h 908465"/>
-              <a:gd name="connsiteX9" fmla="*/ 593923 w 994118"/>
-              <a:gd name="connsiteY9" fmla="*/ 342399 h 908465"/>
-              <a:gd name="connsiteX10" fmla="*/ 485066 w 994118"/>
-              <a:gd name="connsiteY10" fmla="*/ 233542 h 908465"/>
-              <a:gd name="connsiteX11" fmla="*/ 53897 w 994118"/>
-              <a:gd name="connsiteY11" fmla="*/ 233541 h 908465"/>
-              <a:gd name="connsiteX0" fmla="*/ 53898 w 994117"/>
-              <a:gd name="connsiteY0" fmla="*/ 233543 h 908465"/>
-              <a:gd name="connsiteX1" fmla="*/ 53896 w 994117"/>
-              <a:gd name="connsiteY1" fmla="*/ 0 h 908465"/>
-              <a:gd name="connsiteX2" fmla="*/ 485065 w 994117"/>
-              <a:gd name="connsiteY2" fmla="*/ 0 h 908465"/>
-              <a:gd name="connsiteX3" fmla="*/ 827464 w 994117"/>
-              <a:gd name="connsiteY3" fmla="*/ 342399 h 908465"/>
-              <a:gd name="connsiteX4" fmla="*/ 827464 w 994117"/>
-              <a:gd name="connsiteY4" fmla="*/ 625041 h 908465"/>
-              <a:gd name="connsiteX5" fmla="*/ 994117 w 994117"/>
-              <a:gd name="connsiteY5" fmla="*/ 625041 h 908465"/>
-              <a:gd name="connsiteX6" fmla="*/ 710693 w 994117"/>
-              <a:gd name="connsiteY6" fmla="*/ 908465 h 908465"/>
-              <a:gd name="connsiteX7" fmla="*/ 427269 w 994117"/>
-              <a:gd name="connsiteY7" fmla="*/ 625041 h 908465"/>
-              <a:gd name="connsiteX8" fmla="*/ 593922 w 994117"/>
-              <a:gd name="connsiteY8" fmla="*/ 625041 h 908465"/>
-              <a:gd name="connsiteX9" fmla="*/ 593922 w 994117"/>
-              <a:gd name="connsiteY9" fmla="*/ 342399 h 908465"/>
-              <a:gd name="connsiteX10" fmla="*/ 485065 w 994117"/>
-              <a:gd name="connsiteY10" fmla="*/ 233542 h 908465"/>
-              <a:gd name="connsiteX11" fmla="*/ 53898 w 994117"/>
-              <a:gd name="connsiteY11" fmla="*/ 233543 h 908465"/>
-              <a:gd name="connsiteX0" fmla="*/ 31521 w 971740"/>
-              <a:gd name="connsiteY0" fmla="*/ 233543 h 908465"/>
-              <a:gd name="connsiteX1" fmla="*/ 31519 w 971740"/>
-              <a:gd name="connsiteY1" fmla="*/ 0 h 908465"/>
-              <a:gd name="connsiteX2" fmla="*/ 462688 w 971740"/>
-              <a:gd name="connsiteY2" fmla="*/ 0 h 908465"/>
-              <a:gd name="connsiteX3" fmla="*/ 805087 w 971740"/>
-              <a:gd name="connsiteY3" fmla="*/ 342399 h 908465"/>
-              <a:gd name="connsiteX4" fmla="*/ 805087 w 971740"/>
-              <a:gd name="connsiteY4" fmla="*/ 625041 h 908465"/>
-              <a:gd name="connsiteX5" fmla="*/ 971740 w 971740"/>
-              <a:gd name="connsiteY5" fmla="*/ 625041 h 908465"/>
-              <a:gd name="connsiteX6" fmla="*/ 688316 w 971740"/>
-              <a:gd name="connsiteY6" fmla="*/ 908465 h 908465"/>
-              <a:gd name="connsiteX7" fmla="*/ 404892 w 971740"/>
-              <a:gd name="connsiteY7" fmla="*/ 625041 h 908465"/>
-              <a:gd name="connsiteX8" fmla="*/ 571545 w 971740"/>
-              <a:gd name="connsiteY8" fmla="*/ 625041 h 908465"/>
-              <a:gd name="connsiteX9" fmla="*/ 571545 w 971740"/>
-              <a:gd name="connsiteY9" fmla="*/ 342399 h 908465"/>
-              <a:gd name="connsiteX10" fmla="*/ 462688 w 971740"/>
-              <a:gd name="connsiteY10" fmla="*/ 233542 h 908465"/>
-              <a:gd name="connsiteX11" fmla="*/ 31521 w 971740"/>
-              <a:gd name="connsiteY11" fmla="*/ 233543 h 908465"/>
-              <a:gd name="connsiteX0" fmla="*/ 1770 w 941989"/>
-              <a:gd name="connsiteY0" fmla="*/ 234533 h 909455"/>
-              <a:gd name="connsiteX1" fmla="*/ 1768 w 941989"/>
-              <a:gd name="connsiteY1" fmla="*/ 990 h 909455"/>
-              <a:gd name="connsiteX2" fmla="*/ 432937 w 941989"/>
-              <a:gd name="connsiteY2" fmla="*/ 990 h 909455"/>
-              <a:gd name="connsiteX3" fmla="*/ 775336 w 941989"/>
-              <a:gd name="connsiteY3" fmla="*/ 343389 h 909455"/>
-              <a:gd name="connsiteX4" fmla="*/ 775336 w 941989"/>
-              <a:gd name="connsiteY4" fmla="*/ 626031 h 909455"/>
-              <a:gd name="connsiteX5" fmla="*/ 941989 w 941989"/>
-              <a:gd name="connsiteY5" fmla="*/ 626031 h 909455"/>
-              <a:gd name="connsiteX6" fmla="*/ 658565 w 941989"/>
-              <a:gd name="connsiteY6" fmla="*/ 909455 h 909455"/>
-              <a:gd name="connsiteX7" fmla="*/ 375141 w 941989"/>
-              <a:gd name="connsiteY7" fmla="*/ 626031 h 909455"/>
-              <a:gd name="connsiteX8" fmla="*/ 541794 w 941989"/>
-              <a:gd name="connsiteY8" fmla="*/ 626031 h 909455"/>
-              <a:gd name="connsiteX9" fmla="*/ 541794 w 941989"/>
-              <a:gd name="connsiteY9" fmla="*/ 343389 h 909455"/>
-              <a:gd name="connsiteX10" fmla="*/ 432937 w 941989"/>
-              <a:gd name="connsiteY10" fmla="*/ 234532 h 909455"/>
-              <a:gd name="connsiteX11" fmla="*/ 1770 w 941989"/>
-              <a:gd name="connsiteY11" fmla="*/ 234533 h 909455"/>
-              <a:gd name="connsiteX0" fmla="*/ 1770 w 941989"/>
-              <a:gd name="connsiteY0" fmla="*/ 234533 h 909455"/>
-              <a:gd name="connsiteX1" fmla="*/ 1768 w 941989"/>
-              <a:gd name="connsiteY1" fmla="*/ 990 h 909455"/>
-              <a:gd name="connsiteX2" fmla="*/ 432937 w 941989"/>
-              <a:gd name="connsiteY2" fmla="*/ 990 h 909455"/>
-              <a:gd name="connsiteX3" fmla="*/ 775336 w 941989"/>
-              <a:gd name="connsiteY3" fmla="*/ 343389 h 909455"/>
-              <a:gd name="connsiteX4" fmla="*/ 775336 w 941989"/>
-              <a:gd name="connsiteY4" fmla="*/ 626031 h 909455"/>
-              <a:gd name="connsiteX5" fmla="*/ 941989 w 941989"/>
-              <a:gd name="connsiteY5" fmla="*/ 626031 h 909455"/>
-              <a:gd name="connsiteX6" fmla="*/ 658565 w 941989"/>
-              <a:gd name="connsiteY6" fmla="*/ 909455 h 909455"/>
-              <a:gd name="connsiteX7" fmla="*/ 375141 w 941989"/>
-              <a:gd name="connsiteY7" fmla="*/ 626031 h 909455"/>
-              <a:gd name="connsiteX8" fmla="*/ 541794 w 941989"/>
-              <a:gd name="connsiteY8" fmla="*/ 626031 h 909455"/>
-              <a:gd name="connsiteX9" fmla="*/ 541794 w 941989"/>
-              <a:gd name="connsiteY9" fmla="*/ 343389 h 909455"/>
-              <a:gd name="connsiteX10" fmla="*/ 432937 w 941989"/>
-              <a:gd name="connsiteY10" fmla="*/ 234532 h 909455"/>
-              <a:gd name="connsiteX11" fmla="*/ 1770 w 941989"/>
-              <a:gd name="connsiteY11" fmla="*/ 234533 h 909455"/>
-            </a:gdLst>
-            <a:ahLst/>
-            <a:cxnLst>
-              <a:cxn ang="0">
-                <a:pos x="connsiteX0" y="connsiteY0"/>
-              </a:cxn>
-              <a:cxn ang="0">
-                <a:pos x="connsiteX1" y="connsiteY1"/>
-              </a:cxn>
-              <a:cxn ang="0">
-                <a:pos x="connsiteX2" y="connsiteY2"/>
-              </a:cxn>
-              <a:cxn ang="0">
-                <a:pos x="connsiteX3" y="connsiteY3"/>
-              </a:cxn>
-              <a:cxn ang="0">
-                <a:pos x="connsiteX4" y="connsiteY4"/>
-              </a:cxn>
-              <a:cxn ang="0">
-                <a:pos x="connsiteX5" y="connsiteY5"/>
-              </a:cxn>
-              <a:cxn ang="0">
-                <a:pos x="connsiteX6" y="connsiteY6"/>
-              </a:cxn>
-              <a:cxn ang="0">
-                <a:pos x="connsiteX7" y="connsiteY7"/>
-              </a:cxn>
-              <a:cxn ang="0">
-                <a:pos x="connsiteX8" y="connsiteY8"/>
-              </a:cxn>
-              <a:cxn ang="0">
-                <a:pos x="connsiteX9" y="connsiteY9"/>
-              </a:cxn>
-              <a:cxn ang="0">
-                <a:pos x="connsiteX10" y="connsiteY10"/>
-              </a:cxn>
-              <a:cxn ang="0">
-                <a:pos x="connsiteX11" y="connsiteY11"/>
-              </a:cxn>
-            </a:cxnLst>
-            <a:rect l="l" t="t" r="r" b="b"/>
-            <a:pathLst>
-              <a:path w="941989" h="909455">
-                <a:moveTo>
-                  <a:pt x="1770" y="234533"/>
-                </a:moveTo>
-                <a:cubicBezTo>
-                  <a:pt x="3675" y="240596"/>
-                  <a:pt x="-3032" y="-17928"/>
-                  <a:pt x="1768" y="990"/>
-                </a:cubicBezTo>
-                <a:lnTo>
-                  <a:pt x="432937" y="990"/>
-                </a:lnTo>
-                <a:cubicBezTo>
-                  <a:pt x="622039" y="990"/>
-                  <a:pt x="775336" y="154287"/>
-                  <a:pt x="775336" y="343389"/>
-                </a:cubicBezTo>
-                <a:lnTo>
-                  <a:pt x="775336" y="626031"/>
-                </a:lnTo>
-                <a:lnTo>
-                  <a:pt x="941989" y="626031"/>
-                </a:lnTo>
-                <a:lnTo>
-                  <a:pt x="658565" y="909455"/>
-                </a:lnTo>
-                <a:lnTo>
-                  <a:pt x="375141" y="626031"/>
-                </a:lnTo>
-                <a:lnTo>
-                  <a:pt x="541794" y="626031"/>
-                </a:lnTo>
-                <a:lnTo>
-                  <a:pt x="541794" y="343389"/>
-                </a:lnTo>
-                <a:cubicBezTo>
-                  <a:pt x="541794" y="283269"/>
-                  <a:pt x="493057" y="234532"/>
-                  <a:pt x="432937" y="234532"/>
-                </a:cubicBezTo>
-                <a:lnTo>
-                  <a:pt x="1770" y="234533"/>
-                </a:lnTo>
-                <a:close/>
-              </a:path>
-            </a:pathLst>
-          </a:custGeom>
-          <a:solidFill>
-            <a:srgbClr val="007274"/>
-          </a:solidFill>
-          <a:ln>
+          </p:spPr>
+          <p:txBody>
+            <a:bodyPr wrap="square" rtlCol="0">
+              <a:spAutoFit/>
+            </a:bodyPr>
+            <a:lstStyle/>
+            <a:p>
+              <a:pPr algn="ctr"/>
+              <a:r>
+                <a:rPr lang="fr-FR" sz="1600" dirty="0">
+                  <a:latin typeface="Poppins" panose="00000500000000000000" pitchFamily="2" charset="0"/>
+                  <a:cs typeface="Poppins" panose="00000500000000000000" pitchFamily="2" charset="0"/>
+                </a:rPr>
+                <a:t>Présentation du projet</a:t>
+              </a:r>
+            </a:p>
+          </p:txBody>
+        </p:sp>
+        <p:sp>
+          <p:nvSpPr>
+            <p:cNvPr id="36" name="ZoneTexte 35">
+              <a:extLst>
+                <a:ext uri="{FF2B5EF4-FFF2-40B4-BE49-F238E27FC236}">
+                  <a16:creationId xmlns:a16="http://schemas.microsoft.com/office/drawing/2014/main" id="{4D0A44EB-5EF9-47D2-A878-FA63230E832C}"/>
+                </a:ext>
+              </a:extLst>
+            </p:cNvPr>
+            <p:cNvSpPr txBox="1"/>
+            <p:nvPr/>
+          </p:nvSpPr>
+          <p:spPr>
+            <a:xfrm>
+              <a:off x="5106853" y="2050466"/>
+              <a:ext cx="2468880" cy="338554"/>
+            </a:xfrm>
+            <a:prstGeom prst="rect">
+              <a:avLst/>
+            </a:prstGeom>
             <a:noFill/>
-          </a:ln>
-        </p:spPr>
-        <p:style>
-          <a:lnRef idx="2">
-            <a:schemeClr val="accent1">
-              <a:shade val="50000"/>
-            </a:schemeClr>
-          </a:lnRef>
-          <a:fillRef idx="1">
-            <a:schemeClr val="accent1"/>
-          </a:fillRef>
-          <a:effectRef idx="0">
-            <a:schemeClr val="accent1"/>
-          </a:effectRef>
-          <a:fontRef idx="minor">
-            <a:schemeClr val="lt1"/>
-          </a:fontRef>
-        </p:style>
-        <p:txBody>
-          <a:bodyPr rtlCol="0" anchor="ctr"/>
-          <a:lstStyle/>
-          <a:p>
-            <a:pPr algn="ctr"/>
-            <a:endParaRPr lang="fr-FR">
-              <a:solidFill>
-                <a:schemeClr val="tx1"/>
-              </a:solidFill>
-            </a:endParaRPr>
-          </a:p>
-        </p:txBody>
-      </p:sp>
-      <p:sp>
-        <p:nvSpPr>
-          <p:cNvPr id="29" name="ZoneTexte 28">
-            <a:extLst>
-              <a:ext uri="{FF2B5EF4-FFF2-40B4-BE49-F238E27FC236}">
-                <a16:creationId xmlns:a16="http://schemas.microsoft.com/office/drawing/2014/main" id="{88C75F6D-D849-4796-8C82-C62D724CA24C}"/>
-              </a:ext>
-            </a:extLst>
-          </p:cNvPr>
-          <p:cNvSpPr txBox="1"/>
-          <p:nvPr/>
-        </p:nvSpPr>
-        <p:spPr>
-          <a:xfrm>
-            <a:off x="7467526" y="2148932"/>
-            <a:ext cx="1310618" cy="584775"/>
-          </a:xfrm>
-          <a:prstGeom prst="rect">
-            <a:avLst/>
-          </a:prstGeom>
-          <a:noFill/>
-        </p:spPr>
-        <p:txBody>
-          <a:bodyPr wrap="square" rtlCol="0">
-            <a:spAutoFit/>
-          </a:bodyPr>
-          <a:lstStyle/>
-          <a:p>
-            <a:pPr algn="ctr"/>
-            <a:r>
-              <a:rPr lang="fr-FR" sz="1600" dirty="0">
-                <a:latin typeface="Poppins" panose="00000500000000000000" pitchFamily="2" charset="0"/>
-                <a:cs typeface="Poppins" panose="00000500000000000000" pitchFamily="2" charset="0"/>
-              </a:rPr>
-              <a:t>Sprint </a:t>
-            </a:r>
-          </a:p>
-          <a:p>
-            <a:pPr algn="ctr"/>
-            <a:r>
-              <a:rPr lang="fr-FR" sz="1600" dirty="0">
-                <a:latin typeface="Poppins" panose="00000500000000000000" pitchFamily="2" charset="0"/>
-                <a:cs typeface="Poppins" panose="00000500000000000000" pitchFamily="2" charset="0"/>
-              </a:rPr>
-              <a:t>1 semaine</a:t>
-            </a:r>
-          </a:p>
-        </p:txBody>
-      </p:sp>
-      <p:sp>
-        <p:nvSpPr>
-          <p:cNvPr id="30" name="Flèche : droite 29">
-            <a:extLst>
-              <a:ext uri="{FF2B5EF4-FFF2-40B4-BE49-F238E27FC236}">
-                <a16:creationId xmlns:a16="http://schemas.microsoft.com/office/drawing/2014/main" id="{140A1140-01FA-45C6-BCE5-F0E169EEE87C}"/>
-              </a:ext>
-            </a:extLst>
-          </p:cNvPr>
-          <p:cNvSpPr/>
-          <p:nvPr/>
-        </p:nvSpPr>
-        <p:spPr>
-          <a:xfrm>
-            <a:off x="9374308" y="3578914"/>
-            <a:ext cx="1391210" cy="469383"/>
-          </a:xfrm>
-          <a:prstGeom prst="rightArrow">
-            <a:avLst>
-              <a:gd name="adj1" fmla="val 50000"/>
-              <a:gd name="adj2" fmla="val 83282"/>
-            </a:avLst>
-          </a:prstGeom>
-          <a:solidFill>
-            <a:srgbClr val="94DCCB"/>
-          </a:solidFill>
-          <a:ln>
+          </p:spPr>
+          <p:txBody>
+            <a:bodyPr wrap="square" rtlCol="0">
+              <a:spAutoFit/>
+            </a:bodyPr>
+            <a:lstStyle/>
+            <a:p>
+              <a:pPr algn="ctr"/>
+              <a:r>
+                <a:rPr lang="fr-FR" sz="1600" i="0" dirty="0">
+                  <a:effectLst/>
+                  <a:latin typeface="Poppins" panose="00000500000000000000" pitchFamily="2" charset="0"/>
+                  <a:cs typeface="Poppins" panose="00000500000000000000" pitchFamily="2" charset="0"/>
+                </a:rPr>
+                <a:t>Mme BENYOUSSEF</a:t>
+              </a:r>
+            </a:p>
+          </p:txBody>
+        </p:sp>
+        <p:sp>
+          <p:nvSpPr>
+            <p:cNvPr id="37" name="ZoneTexte 36">
+              <a:extLst>
+                <a:ext uri="{FF2B5EF4-FFF2-40B4-BE49-F238E27FC236}">
+                  <a16:creationId xmlns:a16="http://schemas.microsoft.com/office/drawing/2014/main" id="{F3B1902C-9D3E-49DB-B1B5-C96C4FF79B71}"/>
+                </a:ext>
+              </a:extLst>
+            </p:cNvPr>
+            <p:cNvSpPr txBox="1"/>
+            <p:nvPr/>
+          </p:nvSpPr>
+          <p:spPr>
+            <a:xfrm>
+              <a:off x="7099799" y="3732933"/>
+              <a:ext cx="1310618" cy="338554"/>
+            </a:xfrm>
+            <a:prstGeom prst="rect">
+              <a:avLst/>
+            </a:prstGeom>
             <a:noFill/>
-          </a:ln>
-        </p:spPr>
-        <p:style>
-          <a:lnRef idx="2">
-            <a:schemeClr val="accent1">
-              <a:shade val="50000"/>
-            </a:schemeClr>
-          </a:lnRef>
-          <a:fillRef idx="1">
-            <a:schemeClr val="accent1"/>
-          </a:fillRef>
-          <a:effectRef idx="0">
-            <a:schemeClr val="accent1"/>
-          </a:effectRef>
-          <a:fontRef idx="minor">
-            <a:schemeClr val="lt1"/>
-          </a:fontRef>
-        </p:style>
-        <p:txBody>
-          <a:bodyPr rtlCol="0" anchor="ctr"/>
-          <a:lstStyle/>
-          <a:p>
-            <a:pPr algn="ctr"/>
-            <a:r>
-              <a:rPr lang="fr-FR" sz="1600" dirty="0">
-                <a:solidFill>
-                  <a:sysClr val="windowText" lastClr="000000"/>
-                </a:solidFill>
-                <a:latin typeface="Poppins" panose="00000500000000000000" pitchFamily="2" charset="0"/>
-                <a:cs typeface="Poppins" panose="00000500000000000000" pitchFamily="2" charset="0"/>
-              </a:rPr>
-              <a:t>Livraison</a:t>
-            </a:r>
-          </a:p>
-        </p:txBody>
-      </p:sp>
-      <p:pic>
-        <p:nvPicPr>
-          <p:cNvPr id="31" name="Graphique 30" descr="Présentation avec liste de vérification contour">
-            <a:extLst>
-              <a:ext uri="{FF2B5EF4-FFF2-40B4-BE49-F238E27FC236}">
-                <a16:creationId xmlns:a16="http://schemas.microsoft.com/office/drawing/2014/main" id="{ABFC3C9C-3A46-4701-97B0-1E5882711E15}"/>
-              </a:ext>
-            </a:extLst>
-          </p:cNvPr>
-          <p:cNvPicPr>
-            <a:picLocks noChangeAspect="1"/>
-          </p:cNvPicPr>
-          <p:nvPr/>
-        </p:nvPicPr>
-        <p:blipFill>
-          <a:blip r:embed="rId10">
-            <a:extLst>
-              <a:ext uri="{28A0092B-C50C-407E-A947-70E740481C1C}">
-                <a14:useLocalDpi xmlns:a14="http://schemas.microsoft.com/office/drawing/2010/main" val="0"/>
-              </a:ext>
-              <a:ext uri="{96DAC541-7B7A-43D3-8B79-37D633B846F1}">
-                <asvg:svgBlip xmlns:asvg="http://schemas.microsoft.com/office/drawing/2016/SVG/main" r:embed="rId11"/>
-              </a:ext>
-            </a:extLst>
-          </a:blip>
-          <a:stretch>
-            <a:fillRect/>
-          </a:stretch>
-        </p:blipFill>
-        <p:spPr>
-          <a:xfrm>
-            <a:off x="10765518" y="3309037"/>
-            <a:ext cx="914400" cy="914400"/>
-          </a:xfrm>
-          <a:prstGeom prst="rect">
-            <a:avLst/>
-          </a:prstGeom>
-        </p:spPr>
-      </p:pic>
-      <p:sp>
-        <p:nvSpPr>
-          <p:cNvPr id="32" name="ZoneTexte 31">
-            <a:extLst>
-              <a:ext uri="{FF2B5EF4-FFF2-40B4-BE49-F238E27FC236}">
-                <a16:creationId xmlns:a16="http://schemas.microsoft.com/office/drawing/2014/main" id="{542906CD-C9E6-47DD-80FB-29623094C074}"/>
-              </a:ext>
-            </a:extLst>
-          </p:cNvPr>
-          <p:cNvSpPr txBox="1"/>
-          <p:nvPr/>
-        </p:nvSpPr>
-        <p:spPr>
-          <a:xfrm>
-            <a:off x="10465965" y="4218172"/>
-            <a:ext cx="1513506" cy="584775"/>
-          </a:xfrm>
-          <a:prstGeom prst="rect">
-            <a:avLst/>
-          </a:prstGeom>
-          <a:noFill/>
-        </p:spPr>
-        <p:txBody>
-          <a:bodyPr wrap="square" rtlCol="0">
-            <a:spAutoFit/>
-          </a:bodyPr>
-          <a:lstStyle/>
-          <a:p>
-            <a:pPr algn="ctr"/>
-            <a:r>
-              <a:rPr lang="fr-FR" sz="1600" dirty="0">
-                <a:latin typeface="Poppins" panose="00000500000000000000" pitchFamily="2" charset="0"/>
-                <a:cs typeface="Poppins" panose="00000500000000000000" pitchFamily="2" charset="0"/>
-              </a:rPr>
-              <a:t>Présentation du projet</a:t>
-            </a:r>
-          </a:p>
-        </p:txBody>
-      </p:sp>
-      <p:sp>
-        <p:nvSpPr>
-          <p:cNvPr id="36" name="ZoneTexte 35">
-            <a:extLst>
-              <a:ext uri="{FF2B5EF4-FFF2-40B4-BE49-F238E27FC236}">
-                <a16:creationId xmlns:a16="http://schemas.microsoft.com/office/drawing/2014/main" id="{4D0A44EB-5EF9-47D2-A878-FA63230E832C}"/>
-              </a:ext>
-            </a:extLst>
-          </p:cNvPr>
-          <p:cNvSpPr txBox="1"/>
-          <p:nvPr/>
-        </p:nvSpPr>
-        <p:spPr>
-          <a:xfrm>
-            <a:off x="5106853" y="2050466"/>
-            <a:ext cx="2468880" cy="338554"/>
-          </a:xfrm>
-          <a:prstGeom prst="rect">
-            <a:avLst/>
-          </a:prstGeom>
-          <a:noFill/>
-        </p:spPr>
-        <p:txBody>
-          <a:bodyPr wrap="square" rtlCol="0">
-            <a:spAutoFit/>
-          </a:bodyPr>
-          <a:lstStyle/>
-          <a:p>
-            <a:pPr algn="ctr"/>
-            <a:r>
-              <a:rPr lang="fr-FR" sz="1600" i="0" dirty="0">
-                <a:effectLst/>
-                <a:latin typeface="Poppins" panose="00000500000000000000" pitchFamily="2" charset="0"/>
-                <a:cs typeface="Poppins" panose="00000500000000000000" pitchFamily="2" charset="0"/>
-              </a:rPr>
-              <a:t>Mme BENYOUSSEF</a:t>
-            </a:r>
-          </a:p>
-        </p:txBody>
-      </p:sp>
-      <p:sp>
-        <p:nvSpPr>
-          <p:cNvPr id="37" name="ZoneTexte 36">
-            <a:extLst>
-              <a:ext uri="{FF2B5EF4-FFF2-40B4-BE49-F238E27FC236}">
-                <a16:creationId xmlns:a16="http://schemas.microsoft.com/office/drawing/2014/main" id="{F3B1902C-9D3E-49DB-B1B5-C96C4FF79B71}"/>
-              </a:ext>
-            </a:extLst>
-          </p:cNvPr>
-          <p:cNvSpPr txBox="1"/>
-          <p:nvPr/>
-        </p:nvSpPr>
-        <p:spPr>
-          <a:xfrm>
-            <a:off x="7099799" y="3732933"/>
-            <a:ext cx="1310618" cy="338554"/>
-          </a:xfrm>
-          <a:prstGeom prst="rect">
-            <a:avLst/>
-          </a:prstGeom>
-          <a:noFill/>
-        </p:spPr>
-        <p:txBody>
-          <a:bodyPr wrap="square" rtlCol="0">
-            <a:spAutoFit/>
-          </a:bodyPr>
-          <a:lstStyle/>
-          <a:p>
-            <a:pPr algn="ctr"/>
-            <a:r>
-              <a:rPr lang="fr-FR" sz="1600" dirty="0">
-                <a:solidFill>
-                  <a:schemeClr val="bg1"/>
-                </a:solidFill>
-                <a:latin typeface="Poppins" panose="00000500000000000000" pitchFamily="2" charset="0"/>
-                <a:cs typeface="Poppins" panose="00000500000000000000" pitchFamily="2" charset="0"/>
-              </a:rPr>
-              <a:t>2 mois</a:t>
-            </a:r>
-          </a:p>
-        </p:txBody>
-      </p:sp>
+          </p:spPr>
+          <p:txBody>
+            <a:bodyPr wrap="square" rtlCol="0">
+              <a:spAutoFit/>
+            </a:bodyPr>
+            <a:lstStyle/>
+            <a:p>
+              <a:pPr algn="ctr"/>
+              <a:r>
+                <a:rPr lang="fr-FR" sz="1600" dirty="0">
+                  <a:solidFill>
+                    <a:schemeClr val="bg1"/>
+                  </a:solidFill>
+                  <a:latin typeface="Poppins" panose="00000500000000000000" pitchFamily="2" charset="0"/>
+                  <a:cs typeface="Poppins" panose="00000500000000000000" pitchFamily="2" charset="0"/>
+                </a:rPr>
+                <a:t>2 mois</a:t>
+              </a:r>
+            </a:p>
+          </p:txBody>
+        </p:sp>
+      </p:grpSp>
     </p:spTree>
     <p:extLst>
       <p:ext uri="{BB962C8B-B14F-4D97-AF65-F5344CB8AC3E}">
@@ -4626,6 +4711,9 @@
                     <p:cTn id="3" fill="hold">
                       <p:stCondLst>
                         <p:cond delay="indefinite"/>
+                        <p:cond evt="onBegin" delay="0">
+                          <p:tn val="2"/>
+                        </p:cond>
                       </p:stCondLst>
                       <p:childTnLst>
                         <p:par>
@@ -4635,1052 +4723,14 @@
                             </p:stCondLst>
                             <p:childTnLst>
                               <p:par>
-                                <p:cTn id="5" presetID="2" presetClass="entr" presetSubtype="8" fill="hold" nodeType="clickEffect">
-                                  <p:stCondLst>
-                                    <p:cond delay="0"/>
-                                  </p:stCondLst>
-                                  <p:childTnLst>
-                                    <p:set>
-                                      <p:cBhvr>
-                                        <p:cTn id="6" dur="1" fill="hold">
-                                          <p:stCondLst>
-                                            <p:cond delay="0"/>
-                                          </p:stCondLst>
-                                        </p:cTn>
-                                        <p:tgtEl>
-                                          <p:spTgt spid="15"/>
-                                        </p:tgtEl>
-                                        <p:attrNameLst>
-                                          <p:attrName>style.visibility</p:attrName>
-                                        </p:attrNameLst>
-                                      </p:cBhvr>
-                                      <p:to>
-                                        <p:strVal val="visible"/>
-                                      </p:to>
-                                    </p:set>
-                                    <p:anim calcmode="lin" valueType="num">
-                                      <p:cBhvr additive="base">
-                                        <p:cTn id="7" dur="500" fill="hold"/>
-                                        <p:tgtEl>
-                                          <p:spTgt spid="15"/>
-                                        </p:tgtEl>
-                                        <p:attrNameLst>
-                                          <p:attrName>ppt_x</p:attrName>
-                                        </p:attrNameLst>
-                                      </p:cBhvr>
-                                      <p:tavLst>
-                                        <p:tav tm="0">
-                                          <p:val>
-                                            <p:strVal val="0-#ppt_w/2"/>
-                                          </p:val>
-                                        </p:tav>
-                                        <p:tav tm="100000">
-                                          <p:val>
-                                            <p:strVal val="#ppt_x"/>
-                                          </p:val>
-                                        </p:tav>
-                                      </p:tavLst>
-                                    </p:anim>
-                                    <p:anim calcmode="lin" valueType="num">
-                                      <p:cBhvr additive="base">
-                                        <p:cTn id="8" dur="500" fill="hold"/>
-                                        <p:tgtEl>
-                                          <p:spTgt spid="15"/>
-                                        </p:tgtEl>
-                                        <p:attrNameLst>
-                                          <p:attrName>ppt_y</p:attrName>
-                                        </p:attrNameLst>
-                                      </p:cBhvr>
-                                      <p:tavLst>
-                                        <p:tav tm="0">
-                                          <p:val>
-                                            <p:strVal val="#ppt_y"/>
-                                          </p:val>
-                                        </p:tav>
-                                        <p:tav tm="100000">
-                                          <p:val>
-                                            <p:strVal val="#ppt_y"/>
-                                          </p:val>
-                                        </p:tav>
-                                      </p:tavLst>
-                                    </p:anim>
-                                  </p:childTnLst>
-                                </p:cTn>
-                              </p:par>
-                            </p:childTnLst>
-                          </p:cTn>
-                        </p:par>
-                      </p:childTnLst>
-                    </p:cTn>
-                  </p:par>
-                  <p:par>
-                    <p:cTn id="9" fill="hold">
-                      <p:stCondLst>
-                        <p:cond delay="indefinite"/>
-                      </p:stCondLst>
-                      <p:childTnLst>
-                        <p:par>
-                          <p:cTn id="10" fill="hold">
-                            <p:stCondLst>
-                              <p:cond delay="0"/>
-                            </p:stCondLst>
-                            <p:childTnLst>
-                              <p:par>
-                                <p:cTn id="11" presetID="2" presetClass="entr" presetSubtype="8" fill="hold" grpId="0" nodeType="clickEffect">
-                                  <p:stCondLst>
-                                    <p:cond delay="0"/>
-                                  </p:stCondLst>
-                                  <p:childTnLst>
-                                    <p:set>
-                                      <p:cBhvr>
-                                        <p:cTn id="12" dur="1" fill="hold">
-                                          <p:stCondLst>
-                                            <p:cond delay="0"/>
-                                          </p:stCondLst>
-                                        </p:cTn>
-                                        <p:tgtEl>
-                                          <p:spTgt spid="20"/>
-                                        </p:tgtEl>
-                                        <p:attrNameLst>
-                                          <p:attrName>style.visibility</p:attrName>
-                                        </p:attrNameLst>
-                                      </p:cBhvr>
-                                      <p:to>
-                                        <p:strVal val="visible"/>
-                                      </p:to>
-                                    </p:set>
-                                    <p:anim calcmode="lin" valueType="num">
-                                      <p:cBhvr additive="base">
-                                        <p:cTn id="13" dur="500" fill="hold"/>
-                                        <p:tgtEl>
-                                          <p:spTgt spid="20"/>
-                                        </p:tgtEl>
-                                        <p:attrNameLst>
-                                          <p:attrName>ppt_x</p:attrName>
-                                        </p:attrNameLst>
-                                      </p:cBhvr>
-                                      <p:tavLst>
-                                        <p:tav tm="0">
-                                          <p:val>
-                                            <p:strVal val="0-#ppt_w/2"/>
-                                          </p:val>
-                                        </p:tav>
-                                        <p:tav tm="100000">
-                                          <p:val>
-                                            <p:strVal val="#ppt_x"/>
-                                          </p:val>
-                                        </p:tav>
-                                      </p:tavLst>
-                                    </p:anim>
-                                    <p:anim calcmode="lin" valueType="num">
-                                      <p:cBhvr additive="base">
-                                        <p:cTn id="14" dur="500" fill="hold"/>
-                                        <p:tgtEl>
-                                          <p:spTgt spid="20"/>
-                                        </p:tgtEl>
-                                        <p:attrNameLst>
-                                          <p:attrName>ppt_y</p:attrName>
-                                        </p:attrNameLst>
-                                      </p:cBhvr>
-                                      <p:tavLst>
-                                        <p:tav tm="0">
-                                          <p:val>
-                                            <p:strVal val="#ppt_y"/>
-                                          </p:val>
-                                        </p:tav>
-                                        <p:tav tm="100000">
-                                          <p:val>
-                                            <p:strVal val="#ppt_y"/>
-                                          </p:val>
-                                        </p:tav>
-                                      </p:tavLst>
-                                    </p:anim>
-                                  </p:childTnLst>
-                                </p:cTn>
-                              </p:par>
-                              <p:par>
-                                <p:cTn id="15" presetID="10" presetClass="entr" presetSubtype="0" fill="hold" nodeType="withEffect">
-                                  <p:stCondLst>
-                                    <p:cond delay="0"/>
-                                  </p:stCondLst>
-                                  <p:childTnLst>
-                                    <p:set>
-                                      <p:cBhvr>
-                                        <p:cTn id="16" dur="1" fill="hold">
-                                          <p:stCondLst>
-                                            <p:cond delay="0"/>
-                                          </p:stCondLst>
-                                        </p:cTn>
-                                        <p:tgtEl>
-                                          <p:spTgt spid="25"/>
-                                        </p:tgtEl>
-                                        <p:attrNameLst>
-                                          <p:attrName>style.visibility</p:attrName>
-                                        </p:attrNameLst>
-                                      </p:cBhvr>
-                                      <p:to>
-                                        <p:strVal val="visible"/>
-                                      </p:to>
-                                    </p:set>
-                                    <p:animEffect transition="in" filter="fade">
-                                      <p:cBhvr>
-                                        <p:cTn id="17" dur="1000"/>
-                                        <p:tgtEl>
-                                          <p:spTgt spid="25"/>
-                                        </p:tgtEl>
-                                      </p:cBhvr>
-                                    </p:animEffect>
-                                  </p:childTnLst>
-                                </p:cTn>
-                              </p:par>
-                            </p:childTnLst>
-                          </p:cTn>
-                        </p:par>
-                      </p:childTnLst>
-                    </p:cTn>
-                  </p:par>
-                  <p:par>
-                    <p:cTn id="18" fill="hold">
-                      <p:stCondLst>
-                        <p:cond delay="indefinite"/>
-                      </p:stCondLst>
-                      <p:childTnLst>
-                        <p:par>
-                          <p:cTn id="19" fill="hold">
-                            <p:stCondLst>
-                              <p:cond delay="0"/>
-                            </p:stCondLst>
-                            <p:childTnLst>
-                              <p:par>
-                                <p:cTn id="20" presetID="10" presetClass="entr" presetSubtype="0" fill="hold" nodeType="clickEffect">
-                                  <p:stCondLst>
-                                    <p:cond delay="0"/>
-                                  </p:stCondLst>
-                                  <p:childTnLst>
-                                    <p:set>
-                                      <p:cBhvr>
-                                        <p:cTn id="21" dur="1" fill="hold">
-                                          <p:stCondLst>
-                                            <p:cond delay="0"/>
-                                          </p:stCondLst>
-                                        </p:cTn>
-                                        <p:tgtEl>
-                                          <p:spTgt spid="17"/>
-                                        </p:tgtEl>
-                                        <p:attrNameLst>
-                                          <p:attrName>style.visibility</p:attrName>
-                                        </p:attrNameLst>
-                                      </p:cBhvr>
-                                      <p:to>
-                                        <p:strVal val="visible"/>
-                                      </p:to>
-                                    </p:set>
-                                    <p:animEffect transition="in" filter="fade">
-                                      <p:cBhvr>
-                                        <p:cTn id="22" dur="500"/>
-                                        <p:tgtEl>
-                                          <p:spTgt spid="17"/>
-                                        </p:tgtEl>
-                                      </p:cBhvr>
-                                    </p:animEffect>
-                                  </p:childTnLst>
-                                </p:cTn>
-                              </p:par>
-                              <p:par>
-                                <p:cTn id="23" presetID="10" presetClass="entr" presetSubtype="0" fill="hold" grpId="0" nodeType="withEffect">
-                                  <p:stCondLst>
-                                    <p:cond delay="0"/>
-                                  </p:stCondLst>
-                                  <p:childTnLst>
-                                    <p:set>
-                                      <p:cBhvr>
-                                        <p:cTn id="24" dur="1" fill="hold">
-                                          <p:stCondLst>
-                                            <p:cond delay="0"/>
-                                          </p:stCondLst>
-                                        </p:cTn>
-                                        <p:tgtEl>
-                                          <p:spTgt spid="26"/>
-                                        </p:tgtEl>
-                                        <p:attrNameLst>
-                                          <p:attrName>style.visibility</p:attrName>
-                                        </p:attrNameLst>
-                                      </p:cBhvr>
-                                      <p:to>
-                                        <p:strVal val="visible"/>
-                                      </p:to>
-                                    </p:set>
-                                    <p:animEffect transition="in" filter="fade">
-                                      <p:cBhvr>
-                                        <p:cTn id="25" dur="500"/>
-                                        <p:tgtEl>
-                                          <p:spTgt spid="26"/>
-                                        </p:tgtEl>
-                                      </p:cBhvr>
-                                    </p:animEffect>
-                                  </p:childTnLst>
-                                </p:cTn>
-                              </p:par>
-                            </p:childTnLst>
-                          </p:cTn>
-                        </p:par>
-                      </p:childTnLst>
-                    </p:cTn>
-                  </p:par>
-                  <p:par>
-                    <p:cTn id="26" fill="hold">
-                      <p:stCondLst>
-                        <p:cond delay="indefinite"/>
-                      </p:stCondLst>
-                      <p:childTnLst>
-                        <p:par>
-                          <p:cTn id="27" fill="hold">
-                            <p:stCondLst>
-                              <p:cond delay="0"/>
-                            </p:stCondLst>
-                            <p:childTnLst>
-                              <p:par>
-                                <p:cTn id="28" presetID="2" presetClass="entr" presetSubtype="8" fill="hold" grpId="0" nodeType="clickEffect">
-                                  <p:stCondLst>
-                                    <p:cond delay="0"/>
-                                  </p:stCondLst>
-                                  <p:childTnLst>
-                                    <p:set>
-                                      <p:cBhvr>
-                                        <p:cTn id="29" dur="1" fill="hold">
-                                          <p:stCondLst>
-                                            <p:cond delay="0"/>
-                                          </p:stCondLst>
-                                        </p:cTn>
-                                        <p:tgtEl>
-                                          <p:spTgt spid="21"/>
-                                        </p:tgtEl>
-                                        <p:attrNameLst>
-                                          <p:attrName>style.visibility</p:attrName>
-                                        </p:attrNameLst>
-                                      </p:cBhvr>
-                                      <p:to>
-                                        <p:strVal val="visible"/>
-                                      </p:to>
-                                    </p:set>
-                                    <p:anim calcmode="lin" valueType="num">
-                                      <p:cBhvr additive="base">
-                                        <p:cTn id="30" dur="500" fill="hold"/>
-                                        <p:tgtEl>
-                                          <p:spTgt spid="21"/>
-                                        </p:tgtEl>
-                                        <p:attrNameLst>
-                                          <p:attrName>ppt_x</p:attrName>
-                                        </p:attrNameLst>
-                                      </p:cBhvr>
-                                      <p:tavLst>
-                                        <p:tav tm="0">
-                                          <p:val>
-                                            <p:strVal val="0-#ppt_w/2"/>
-                                          </p:val>
-                                        </p:tav>
-                                        <p:tav tm="100000">
-                                          <p:val>
-                                            <p:strVal val="#ppt_x"/>
-                                          </p:val>
-                                        </p:tav>
-                                      </p:tavLst>
-                                    </p:anim>
-                                    <p:anim calcmode="lin" valueType="num">
-                                      <p:cBhvr additive="base">
-                                        <p:cTn id="31" dur="500" fill="hold"/>
-                                        <p:tgtEl>
-                                          <p:spTgt spid="21"/>
-                                        </p:tgtEl>
-                                        <p:attrNameLst>
-                                          <p:attrName>ppt_y</p:attrName>
-                                        </p:attrNameLst>
-                                      </p:cBhvr>
-                                      <p:tavLst>
-                                        <p:tav tm="0">
-                                          <p:val>
-                                            <p:strVal val="#ppt_y"/>
-                                          </p:val>
-                                        </p:tav>
-                                        <p:tav tm="100000">
-                                          <p:val>
-                                            <p:strVal val="#ppt_y"/>
-                                          </p:val>
-                                        </p:tav>
-                                      </p:tavLst>
-                                    </p:anim>
-                                  </p:childTnLst>
-                                </p:cTn>
-                              </p:par>
-                            </p:childTnLst>
-                          </p:cTn>
-                        </p:par>
-                      </p:childTnLst>
-                    </p:cTn>
-                  </p:par>
-                  <p:par>
-                    <p:cTn id="32" fill="hold">
-                      <p:stCondLst>
-                        <p:cond delay="indefinite"/>
-                      </p:stCondLst>
-                      <p:childTnLst>
-                        <p:par>
-                          <p:cTn id="33" fill="hold">
-                            <p:stCondLst>
-                              <p:cond delay="0"/>
-                            </p:stCondLst>
-                            <p:childTnLst>
-                              <p:par>
-                                <p:cTn id="34" presetID="10" presetClass="entr" presetSubtype="0" fill="hold" nodeType="clickEffect">
-                                  <p:stCondLst>
-                                    <p:cond delay="0"/>
-                                  </p:stCondLst>
-                                  <p:childTnLst>
-                                    <p:set>
-                                      <p:cBhvr>
-                                        <p:cTn id="35" dur="1" fill="hold">
-                                          <p:stCondLst>
-                                            <p:cond delay="0"/>
-                                          </p:stCondLst>
-                                        </p:cTn>
-                                        <p:tgtEl>
-                                          <p:spTgt spid="13"/>
-                                        </p:tgtEl>
-                                        <p:attrNameLst>
-                                          <p:attrName>style.visibility</p:attrName>
-                                        </p:attrNameLst>
-                                      </p:cBhvr>
-                                      <p:to>
-                                        <p:strVal val="visible"/>
-                                      </p:to>
-                                    </p:set>
-                                    <p:animEffect transition="in" filter="fade">
-                                      <p:cBhvr>
-                                        <p:cTn id="36" dur="1500"/>
-                                        <p:tgtEl>
-                                          <p:spTgt spid="13"/>
-                                        </p:tgtEl>
-                                      </p:cBhvr>
-                                    </p:animEffect>
-                                  </p:childTnLst>
-                                </p:cTn>
-                              </p:par>
-                            </p:childTnLst>
-                          </p:cTn>
-                        </p:par>
-                      </p:childTnLst>
-                    </p:cTn>
-                  </p:par>
-                  <p:par>
-                    <p:cTn id="37" fill="hold">
-                      <p:stCondLst>
-                        <p:cond delay="indefinite"/>
-                      </p:stCondLst>
-                      <p:childTnLst>
-                        <p:par>
-                          <p:cTn id="38" fill="hold">
-                            <p:stCondLst>
-                              <p:cond delay="0"/>
-                            </p:stCondLst>
-                            <p:childTnLst>
-                              <p:par>
-                                <p:cTn id="39" presetID="31" presetClass="entr" presetSubtype="0" fill="hold" grpId="0" nodeType="clickEffect">
-                                  <p:stCondLst>
-                                    <p:cond delay="0"/>
-                                  </p:stCondLst>
-                                  <p:childTnLst>
-                                    <p:set>
-                                      <p:cBhvr>
-                                        <p:cTn id="40" dur="1" fill="hold">
-                                          <p:stCondLst>
-                                            <p:cond delay="0"/>
-                                          </p:stCondLst>
-                                        </p:cTn>
-                                        <p:tgtEl>
-                                          <p:spTgt spid="27"/>
-                                        </p:tgtEl>
-                                        <p:attrNameLst>
-                                          <p:attrName>style.visibility</p:attrName>
-                                        </p:attrNameLst>
-                                      </p:cBhvr>
-                                      <p:to>
-                                        <p:strVal val="visible"/>
-                                      </p:to>
-                                    </p:set>
-                                    <p:anim calcmode="lin" valueType="num">
-                                      <p:cBhvr>
-                                        <p:cTn id="41" dur="1000" fill="hold"/>
-                                        <p:tgtEl>
-                                          <p:spTgt spid="27"/>
-                                        </p:tgtEl>
-                                        <p:attrNameLst>
-                                          <p:attrName>ppt_w</p:attrName>
-                                        </p:attrNameLst>
-                                      </p:cBhvr>
-                                      <p:tavLst>
-                                        <p:tav tm="0">
-                                          <p:val>
-                                            <p:fltVal val="0"/>
-                                          </p:val>
-                                        </p:tav>
-                                        <p:tav tm="100000">
-                                          <p:val>
-                                            <p:strVal val="#ppt_w"/>
-                                          </p:val>
-                                        </p:tav>
-                                      </p:tavLst>
-                                    </p:anim>
-                                    <p:anim calcmode="lin" valueType="num">
-                                      <p:cBhvr>
-                                        <p:cTn id="42" dur="1000" fill="hold"/>
-                                        <p:tgtEl>
-                                          <p:spTgt spid="27"/>
-                                        </p:tgtEl>
-                                        <p:attrNameLst>
-                                          <p:attrName>ppt_h</p:attrName>
-                                        </p:attrNameLst>
-                                      </p:cBhvr>
-                                      <p:tavLst>
-                                        <p:tav tm="0">
-                                          <p:val>
-                                            <p:fltVal val="0"/>
-                                          </p:val>
-                                        </p:tav>
-                                        <p:tav tm="100000">
-                                          <p:val>
-                                            <p:strVal val="#ppt_h"/>
-                                          </p:val>
-                                        </p:tav>
-                                      </p:tavLst>
-                                    </p:anim>
-                                    <p:anim calcmode="lin" valueType="num">
-                                      <p:cBhvr>
-                                        <p:cTn id="43" dur="1000" fill="hold"/>
-                                        <p:tgtEl>
-                                          <p:spTgt spid="27"/>
-                                        </p:tgtEl>
-                                        <p:attrNameLst>
-                                          <p:attrName>style.rotation</p:attrName>
-                                        </p:attrNameLst>
-                                      </p:cBhvr>
-                                      <p:tavLst>
-                                        <p:tav tm="0">
-                                          <p:val>
-                                            <p:fltVal val="90"/>
-                                          </p:val>
-                                        </p:tav>
-                                        <p:tav tm="100000">
-                                          <p:val>
-                                            <p:fltVal val="0"/>
-                                          </p:val>
-                                        </p:tav>
-                                      </p:tavLst>
-                                    </p:anim>
-                                    <p:animEffect transition="in" filter="fade">
-                                      <p:cBhvr>
-                                        <p:cTn id="44" dur="1000"/>
-                                        <p:tgtEl>
-                                          <p:spTgt spid="27"/>
-                                        </p:tgtEl>
-                                      </p:cBhvr>
-                                    </p:animEffect>
-                                  </p:childTnLst>
-                                </p:cTn>
-                              </p:par>
-                            </p:childTnLst>
-                          </p:cTn>
-                        </p:par>
-                      </p:childTnLst>
-                    </p:cTn>
-                  </p:par>
-                  <p:par>
-                    <p:cTn id="45" fill="hold">
-                      <p:stCondLst>
-                        <p:cond delay="indefinite"/>
-                      </p:stCondLst>
-                      <p:childTnLst>
-                        <p:par>
-                          <p:cTn id="46" fill="hold">
-                            <p:stCondLst>
-                              <p:cond delay="0"/>
-                            </p:stCondLst>
-                            <p:childTnLst>
-                              <p:par>
-                                <p:cTn id="47" presetID="10" presetClass="entr" presetSubtype="0" fill="hold" grpId="0" nodeType="clickEffect">
-                                  <p:stCondLst>
-                                    <p:cond delay="0"/>
-                                  </p:stCondLst>
-                                  <p:childTnLst>
-                                    <p:set>
-                                      <p:cBhvr>
-                                        <p:cTn id="48" dur="1" fill="hold">
-                                          <p:stCondLst>
-                                            <p:cond delay="0"/>
-                                          </p:stCondLst>
-                                        </p:cTn>
-                                        <p:tgtEl>
-                                          <p:spTgt spid="37"/>
-                                        </p:tgtEl>
-                                        <p:attrNameLst>
-                                          <p:attrName>style.visibility</p:attrName>
-                                        </p:attrNameLst>
-                                      </p:cBhvr>
-                                      <p:to>
-                                        <p:strVal val="visible"/>
-                                      </p:to>
-                                    </p:set>
-                                    <p:animEffect transition="in" filter="fade">
-                                      <p:cBhvr>
-                                        <p:cTn id="49" dur="1000"/>
-                                        <p:tgtEl>
-                                          <p:spTgt spid="37"/>
-                                        </p:tgtEl>
-                                      </p:cBhvr>
-                                    </p:animEffect>
-                                  </p:childTnLst>
-                                </p:cTn>
-                              </p:par>
-                              <p:par>
-                                <p:cTn id="50" presetID="10" presetClass="entr" presetSubtype="0" fill="hold" grpId="0" nodeType="withEffect">
-                                  <p:stCondLst>
-                                    <p:cond delay="0"/>
-                                  </p:stCondLst>
-                                  <p:childTnLst>
-                                    <p:set>
-                                      <p:cBhvr>
-                                        <p:cTn id="51" dur="1" fill="hold">
-                                          <p:stCondLst>
-                                            <p:cond delay="0"/>
-                                          </p:stCondLst>
-                                        </p:cTn>
-                                        <p:tgtEl>
-                                          <p:spTgt spid="29"/>
-                                        </p:tgtEl>
-                                        <p:attrNameLst>
-                                          <p:attrName>style.visibility</p:attrName>
-                                        </p:attrNameLst>
-                                      </p:cBhvr>
-                                      <p:to>
-                                        <p:strVal val="visible"/>
-                                      </p:to>
-                                    </p:set>
-                                    <p:animEffect transition="in" filter="fade">
-                                      <p:cBhvr>
-                                        <p:cTn id="52" dur="1000"/>
-                                        <p:tgtEl>
-                                          <p:spTgt spid="29"/>
-                                        </p:tgtEl>
-                                      </p:cBhvr>
-                                    </p:animEffect>
-                                  </p:childTnLst>
-                                </p:cTn>
-                              </p:par>
-                              <p:par>
-                                <p:cTn id="53" presetID="10" presetClass="entr" presetSubtype="0" fill="hold" nodeType="withEffect">
-                                  <p:stCondLst>
-                                    <p:cond delay="0"/>
-                                  </p:stCondLst>
-                                  <p:childTnLst>
-                                    <p:set>
-                                      <p:cBhvr>
-                                        <p:cTn id="54" dur="1" fill="hold">
-                                          <p:stCondLst>
-                                            <p:cond delay="0"/>
-                                          </p:stCondLst>
-                                        </p:cTn>
-                                        <p:tgtEl>
-                                          <p:spTgt spid="7"/>
-                                        </p:tgtEl>
-                                        <p:attrNameLst>
-                                          <p:attrName>style.visibility</p:attrName>
-                                        </p:attrNameLst>
-                                      </p:cBhvr>
-                                      <p:to>
-                                        <p:strVal val="visible"/>
-                                      </p:to>
-                                    </p:set>
-                                    <p:animEffect transition="in" filter="fade">
-                                      <p:cBhvr>
-                                        <p:cTn id="55" dur="1000"/>
-                                        <p:tgtEl>
-                                          <p:spTgt spid="7"/>
-                                        </p:tgtEl>
-                                      </p:cBhvr>
-                                    </p:animEffect>
-                                  </p:childTnLst>
-                                </p:cTn>
-                              </p:par>
-                              <p:par>
-                                <p:cTn id="56" presetID="10" presetClass="entr" presetSubtype="0" fill="hold" nodeType="withEffect">
-                                  <p:stCondLst>
-                                    <p:cond delay="0"/>
-                                  </p:stCondLst>
-                                  <p:childTnLst>
-                                    <p:set>
-                                      <p:cBhvr>
-                                        <p:cTn id="57" dur="1" fill="hold">
-                                          <p:stCondLst>
-                                            <p:cond delay="0"/>
-                                          </p:stCondLst>
-                                        </p:cTn>
-                                        <p:tgtEl>
-                                          <p:spTgt spid="9"/>
-                                        </p:tgtEl>
-                                        <p:attrNameLst>
-                                          <p:attrName>style.visibility</p:attrName>
-                                        </p:attrNameLst>
-                                      </p:cBhvr>
-                                      <p:to>
-                                        <p:strVal val="visible"/>
-                                      </p:to>
-                                    </p:set>
-                                    <p:animEffect transition="in" filter="fade">
-                                      <p:cBhvr>
-                                        <p:cTn id="58" dur="1000"/>
-                                        <p:tgtEl>
-                                          <p:spTgt spid="9"/>
-                                        </p:tgtEl>
-                                      </p:cBhvr>
-                                    </p:animEffect>
-                                  </p:childTnLst>
-                                </p:cTn>
-                              </p:par>
-                              <p:par>
-                                <p:cTn id="59" presetID="10" presetClass="entr" presetSubtype="0" fill="hold" grpId="0" nodeType="withEffect">
-                                  <p:stCondLst>
-                                    <p:cond delay="0"/>
-                                  </p:stCondLst>
-                                  <p:childTnLst>
-                                    <p:set>
-                                      <p:cBhvr>
-                                        <p:cTn id="60" dur="1" fill="hold">
-                                          <p:stCondLst>
-                                            <p:cond delay="0"/>
-                                          </p:stCondLst>
-                                        </p:cTn>
-                                        <p:tgtEl>
-                                          <p:spTgt spid="36"/>
-                                        </p:tgtEl>
-                                        <p:attrNameLst>
-                                          <p:attrName>style.visibility</p:attrName>
-                                        </p:attrNameLst>
-                                      </p:cBhvr>
-                                      <p:to>
-                                        <p:strVal val="visible"/>
-                                      </p:to>
-                                    </p:set>
-                                    <p:animEffect transition="in" filter="fade">
-                                      <p:cBhvr>
-                                        <p:cTn id="61" dur="1000"/>
-                                        <p:tgtEl>
-                                          <p:spTgt spid="36"/>
-                                        </p:tgtEl>
-                                      </p:cBhvr>
-                                    </p:animEffect>
-                                  </p:childTnLst>
-                                </p:cTn>
-                              </p:par>
-                              <p:par>
-                                <p:cTn id="62" presetID="31" presetClass="entr" presetSubtype="0" fill="hold" grpId="0" nodeType="withEffect">
-                                  <p:stCondLst>
-                                    <p:cond delay="0"/>
-                                  </p:stCondLst>
-                                  <p:childTnLst>
-                                    <p:set>
-                                      <p:cBhvr>
-                                        <p:cTn id="63" dur="1" fill="hold">
-                                          <p:stCondLst>
-                                            <p:cond delay="0"/>
-                                          </p:stCondLst>
-                                        </p:cTn>
-                                        <p:tgtEl>
-                                          <p:spTgt spid="28"/>
-                                        </p:tgtEl>
-                                        <p:attrNameLst>
-                                          <p:attrName>style.visibility</p:attrName>
-                                        </p:attrNameLst>
-                                      </p:cBhvr>
-                                      <p:to>
-                                        <p:strVal val="visible"/>
-                                      </p:to>
-                                    </p:set>
-                                    <p:anim calcmode="lin" valueType="num">
-                                      <p:cBhvr>
-                                        <p:cTn id="64" dur="1000" fill="hold"/>
-                                        <p:tgtEl>
-                                          <p:spTgt spid="28"/>
-                                        </p:tgtEl>
-                                        <p:attrNameLst>
-                                          <p:attrName>ppt_w</p:attrName>
-                                        </p:attrNameLst>
-                                      </p:cBhvr>
-                                      <p:tavLst>
-                                        <p:tav tm="0">
-                                          <p:val>
-                                            <p:fltVal val="0"/>
-                                          </p:val>
-                                        </p:tav>
-                                        <p:tav tm="100000">
-                                          <p:val>
-                                            <p:strVal val="#ppt_w"/>
-                                          </p:val>
-                                        </p:tav>
-                                      </p:tavLst>
-                                    </p:anim>
-                                    <p:anim calcmode="lin" valueType="num">
-                                      <p:cBhvr>
-                                        <p:cTn id="65" dur="1000" fill="hold"/>
-                                        <p:tgtEl>
-                                          <p:spTgt spid="28"/>
-                                        </p:tgtEl>
-                                        <p:attrNameLst>
-                                          <p:attrName>ppt_h</p:attrName>
-                                        </p:attrNameLst>
-                                      </p:cBhvr>
-                                      <p:tavLst>
-                                        <p:tav tm="0">
-                                          <p:val>
-                                            <p:fltVal val="0"/>
-                                          </p:val>
-                                        </p:tav>
-                                        <p:tav tm="100000">
-                                          <p:val>
-                                            <p:strVal val="#ppt_h"/>
-                                          </p:val>
-                                        </p:tav>
-                                      </p:tavLst>
-                                    </p:anim>
-                                    <p:anim calcmode="lin" valueType="num">
-                                      <p:cBhvr>
-                                        <p:cTn id="66" dur="1000" fill="hold"/>
-                                        <p:tgtEl>
-                                          <p:spTgt spid="28"/>
-                                        </p:tgtEl>
-                                        <p:attrNameLst>
-                                          <p:attrName>style.rotation</p:attrName>
-                                        </p:attrNameLst>
-                                      </p:cBhvr>
-                                      <p:tavLst>
-                                        <p:tav tm="0">
-                                          <p:val>
-                                            <p:fltVal val="90"/>
-                                          </p:val>
-                                        </p:tav>
-                                        <p:tav tm="100000">
-                                          <p:val>
-                                            <p:fltVal val="0"/>
-                                          </p:val>
-                                        </p:tav>
-                                      </p:tavLst>
-                                    </p:anim>
-                                    <p:animEffect transition="in" filter="fade">
-                                      <p:cBhvr>
-                                        <p:cTn id="67" dur="1000"/>
-                                        <p:tgtEl>
-                                          <p:spTgt spid="28"/>
-                                        </p:tgtEl>
-                                      </p:cBhvr>
-                                    </p:animEffect>
-                                  </p:childTnLst>
-                                </p:cTn>
-                              </p:par>
-                            </p:childTnLst>
-                          </p:cTn>
-                        </p:par>
-                      </p:childTnLst>
-                    </p:cTn>
-                  </p:par>
-                  <p:par>
-                    <p:cTn id="68" fill="hold">
-                      <p:stCondLst>
-                        <p:cond delay="indefinite"/>
-                      </p:stCondLst>
-                      <p:childTnLst>
-                        <p:par>
-                          <p:cTn id="69" fill="hold">
-                            <p:stCondLst>
-                              <p:cond delay="0"/>
-                            </p:stCondLst>
-                            <p:childTnLst>
-                              <p:par>
-                                <p:cTn id="70" presetID="2" presetClass="entr" presetSubtype="8" fill="hold" grpId="0" nodeType="clickEffect">
-                                  <p:stCondLst>
-                                    <p:cond delay="0"/>
-                                  </p:stCondLst>
-                                  <p:childTnLst>
-                                    <p:set>
-                                      <p:cBhvr>
-                                        <p:cTn id="71" dur="1" fill="hold">
-                                          <p:stCondLst>
-                                            <p:cond delay="0"/>
-                                          </p:stCondLst>
-                                        </p:cTn>
-                                        <p:tgtEl>
-                                          <p:spTgt spid="30"/>
-                                        </p:tgtEl>
-                                        <p:attrNameLst>
-                                          <p:attrName>style.visibility</p:attrName>
-                                        </p:attrNameLst>
-                                      </p:cBhvr>
-                                      <p:to>
-                                        <p:strVal val="visible"/>
-                                      </p:to>
-                                    </p:set>
-                                    <p:anim calcmode="lin" valueType="num">
-                                      <p:cBhvr additive="base">
-                                        <p:cTn id="72" dur="500" fill="hold"/>
-                                        <p:tgtEl>
-                                          <p:spTgt spid="30"/>
-                                        </p:tgtEl>
-                                        <p:attrNameLst>
-                                          <p:attrName>ppt_x</p:attrName>
-                                        </p:attrNameLst>
-                                      </p:cBhvr>
-                                      <p:tavLst>
-                                        <p:tav tm="0">
-                                          <p:val>
-                                            <p:strVal val="0-#ppt_w/2"/>
-                                          </p:val>
-                                        </p:tav>
-                                        <p:tav tm="100000">
-                                          <p:val>
-                                            <p:strVal val="#ppt_x"/>
-                                          </p:val>
-                                        </p:tav>
-                                      </p:tavLst>
-                                    </p:anim>
-                                    <p:anim calcmode="lin" valueType="num">
-                                      <p:cBhvr additive="base">
-                                        <p:cTn id="73" dur="500" fill="hold"/>
-                                        <p:tgtEl>
-                                          <p:spTgt spid="30"/>
-                                        </p:tgtEl>
-                                        <p:attrNameLst>
-                                          <p:attrName>ppt_y</p:attrName>
-                                        </p:attrNameLst>
-                                      </p:cBhvr>
-                                      <p:tavLst>
-                                        <p:tav tm="0">
-                                          <p:val>
-                                            <p:strVal val="#ppt_y"/>
-                                          </p:val>
-                                        </p:tav>
-                                        <p:tav tm="100000">
-                                          <p:val>
-                                            <p:strVal val="#ppt_y"/>
-                                          </p:val>
-                                        </p:tav>
-                                      </p:tavLst>
-                                    </p:anim>
-                                  </p:childTnLst>
-                                </p:cTn>
-                              </p:par>
-                            </p:childTnLst>
-                          </p:cTn>
-                        </p:par>
-                      </p:childTnLst>
-                    </p:cTn>
-                  </p:par>
-                  <p:par>
-                    <p:cTn id="74" fill="hold">
-                      <p:stCondLst>
-                        <p:cond delay="indefinite"/>
-                      </p:stCondLst>
-                      <p:childTnLst>
-                        <p:par>
-                          <p:cTn id="75" fill="hold">
-                            <p:stCondLst>
-                              <p:cond delay="0"/>
-                            </p:stCondLst>
-                            <p:childTnLst>
-                              <p:par>
-                                <p:cTn id="76" presetID="10" presetClass="entr" presetSubtype="0" fill="hold" nodeType="clickEffect">
-                                  <p:stCondLst>
-                                    <p:cond delay="0"/>
-                                  </p:stCondLst>
-                                  <p:childTnLst>
-                                    <p:set>
-                                      <p:cBhvr>
-                                        <p:cTn id="77" dur="1" fill="hold">
-                                          <p:stCondLst>
-                                            <p:cond delay="0"/>
-                                          </p:stCondLst>
-                                        </p:cTn>
-                                        <p:tgtEl>
-                                          <p:spTgt spid="31"/>
-                                        </p:tgtEl>
-                                        <p:attrNameLst>
-                                          <p:attrName>style.visibility</p:attrName>
-                                        </p:attrNameLst>
-                                      </p:cBhvr>
-                                      <p:to>
-                                        <p:strVal val="visible"/>
-                                      </p:to>
-                                    </p:set>
-                                    <p:animEffect transition="in" filter="fade">
-                                      <p:cBhvr>
-                                        <p:cTn id="78" dur="1500"/>
-                                        <p:tgtEl>
-                                          <p:spTgt spid="31"/>
-                                        </p:tgtEl>
-                                      </p:cBhvr>
-                                    </p:animEffect>
-                                  </p:childTnLst>
-                                </p:cTn>
-                              </p:par>
-                              <p:par>
-                                <p:cTn id="79" presetID="10" presetClass="entr" presetSubtype="0" fill="hold" grpId="0" nodeType="withEffect">
-                                  <p:stCondLst>
-                                    <p:cond delay="0"/>
-                                  </p:stCondLst>
-                                  <p:childTnLst>
-                                    <p:set>
-                                      <p:cBhvr>
-                                        <p:cTn id="80" dur="1" fill="hold">
-                                          <p:stCondLst>
-                                            <p:cond delay="0"/>
-                                          </p:stCondLst>
-                                        </p:cTn>
-                                        <p:tgtEl>
-                                          <p:spTgt spid="32"/>
-                                        </p:tgtEl>
-                                        <p:attrNameLst>
-                                          <p:attrName>style.visibility</p:attrName>
-                                        </p:attrNameLst>
-                                      </p:cBhvr>
-                                      <p:to>
-                                        <p:strVal val="visible"/>
-                                      </p:to>
-                                    </p:set>
-                                    <p:animEffect transition="in" filter="fade">
-                                      <p:cBhvr>
-                                        <p:cTn id="81" dur="1500"/>
-                                        <p:tgtEl>
-                                          <p:spTgt spid="32"/>
-                                        </p:tgtEl>
-                                      </p:cBhvr>
-                                    </p:animEffect>
-                                  </p:childTnLst>
-                                </p:cTn>
-                              </p:par>
-                            </p:childTnLst>
-                          </p:cTn>
-                        </p:par>
-                        <p:par>
-                          <p:cTn id="82" fill="hold">
-                            <p:stCondLst>
-                              <p:cond delay="1500"/>
-                            </p:stCondLst>
-                            <p:childTnLst>
-                              <p:par>
-                                <p:cTn id="83" presetID="10" presetClass="exit" presetSubtype="0" fill="hold" grpId="0" nodeType="afterEffect">
+                                <p:cTn id="5" presetID="10" presetClass="exit" presetSubtype="0" fill="hold" grpId="0" nodeType="afterEffect">
                                   <p:stCondLst>
                                     <p:cond delay="5000"/>
                                   </p:stCondLst>
                                   <p:childTnLst>
                                     <p:animEffect transition="out" filter="fade">
                                       <p:cBhvr>
-                                        <p:cTn id="84" dur="500"/>
+                                        <p:cTn id="6" dur="500"/>
                                         <p:tgtEl>
                                           <p:spTgt spid="2"/>
                                         </p:tgtEl>
@@ -5688,7 +4738,7 @@
                                     </p:animEffect>
                                     <p:set>
                                       <p:cBhvr>
-                                        <p:cTn id="85" dur="1" fill="hold">
+                                        <p:cTn id="7" dur="1" fill="hold">
                                           <p:stCondLst>
                                             <p:cond delay="499"/>
                                           </p:stCondLst>
@@ -5736,16 +4786,6 @@
     </p:tnLst>
     <p:bldLst>
       <p:bldP spid="2" grpId="0"/>
-      <p:bldP spid="20" grpId="0" animBg="1"/>
-      <p:bldP spid="21" grpId="0" animBg="1"/>
-      <p:bldP spid="26" grpId="0"/>
-      <p:bldP spid="27" grpId="0" animBg="1"/>
-      <p:bldP spid="28" grpId="0" animBg="1"/>
-      <p:bldP spid="29" grpId="0"/>
-      <p:bldP spid="30" grpId="0" animBg="1"/>
-      <p:bldP spid="32" grpId="0"/>
-      <p:bldP spid="36" grpId="0"/>
-      <p:bldP spid="37" grpId="0"/>
     </p:bldLst>
   </p:timing>
 </p:sld>
